--- a/LiaDi/EAE-slides.pptx
+++ b/LiaDi/EAE-slides.pptx
@@ -344,7 +344,7 @@
             <a:fld id="{B61BEF0D-F0BB-DE4B-95CE-6DB70DBA9567}" type="datetimeFigureOut">
               <a:rPr lang="en-US" dirty="0"/>
               <a:pPr/>
-              <a:t>7/21/2024</a:t>
+              <a:t>7/21/24</a:t>
             </a:fld>
             <a:endParaRPr lang="en-US" dirty="0"/>
           </a:p>
@@ -675,7 +675,7 @@
             <a:fld id="{B61BEF0D-F0BB-DE4B-95CE-6DB70DBA9567}" type="datetimeFigureOut">
               <a:rPr lang="en-US" dirty="0"/>
               <a:pPr/>
-              <a:t>7/21/2024</a:t>
+              <a:t>7/21/24</a:t>
             </a:fld>
             <a:endParaRPr lang="en-US" dirty="0"/>
           </a:p>
@@ -950,7 +950,7 @@
             <a:fld id="{B61BEF0D-F0BB-DE4B-95CE-6DB70DBA9567}" type="datetimeFigureOut">
               <a:rPr lang="en-US" dirty="0"/>
               <a:pPr/>
-              <a:t>7/21/2024</a:t>
+              <a:t>7/21/24</a:t>
             </a:fld>
             <a:endParaRPr lang="en-US" dirty="0"/>
           </a:p>
@@ -1515,7 +1515,7 @@
             <a:fld id="{B61BEF0D-F0BB-DE4B-95CE-6DB70DBA9567}" type="datetimeFigureOut">
               <a:rPr lang="en-US" dirty="0"/>
               <a:pPr/>
-              <a:t>7/21/2024</a:t>
+              <a:t>7/21/24</a:t>
             </a:fld>
             <a:endParaRPr lang="en-US" dirty="0"/>
           </a:p>
@@ -1790,7 +1790,7 @@
             <a:fld id="{B61BEF0D-F0BB-DE4B-95CE-6DB70DBA9567}" type="datetimeFigureOut">
               <a:rPr lang="en-US" dirty="0"/>
               <a:pPr/>
-              <a:t>7/21/2024</a:t>
+              <a:t>7/21/24</a:t>
             </a:fld>
             <a:endParaRPr lang="en-US" dirty="0"/>
           </a:p>
@@ -2349,7 +2349,7 @@
             <a:fld id="{B61BEF0D-F0BB-DE4B-95CE-6DB70DBA9567}" type="datetimeFigureOut">
               <a:rPr lang="en-US" dirty="0"/>
               <a:pPr/>
-              <a:t>7/21/2024</a:t>
+              <a:t>7/21/24</a:t>
             </a:fld>
             <a:endParaRPr lang="en-US" dirty="0"/>
           </a:p>
@@ -2673,7 +2673,7 @@
             <a:fld id="{B61BEF0D-F0BB-DE4B-95CE-6DB70DBA9567}" type="datetimeFigureOut">
               <a:rPr lang="en-US" dirty="0"/>
               <a:pPr/>
-              <a:t>7/21/2024</a:t>
+              <a:t>7/21/24</a:t>
             </a:fld>
             <a:endParaRPr lang="en-US" dirty="0"/>
           </a:p>
@@ -2847,7 +2847,7 @@
             <a:fld id="{B61BEF0D-F0BB-DE4B-95CE-6DB70DBA9567}" type="datetimeFigureOut">
               <a:rPr lang="en-US" dirty="0"/>
               <a:pPr/>
-              <a:t>7/21/2024</a:t>
+              <a:t>7/21/24</a:t>
             </a:fld>
             <a:endParaRPr lang="en-US" dirty="0"/>
           </a:p>
@@ -3082,7 +3082,7 @@
             <a:fld id="{B61BEF0D-F0BB-DE4B-95CE-6DB70DBA9567}" type="datetimeFigureOut">
               <a:rPr lang="en-US" dirty="0"/>
               <a:pPr/>
-              <a:t>7/21/2024</a:t>
+              <a:t>7/21/24</a:t>
             </a:fld>
             <a:endParaRPr lang="en-US" dirty="0"/>
           </a:p>
@@ -3279,7 +3279,7 @@
             <a:fld id="{B61BEF0D-F0BB-DE4B-95CE-6DB70DBA9567}" type="datetimeFigureOut">
               <a:rPr lang="en-US" dirty="0"/>
               <a:pPr/>
-              <a:t>7/21/2024</a:t>
+              <a:t>7/21/24</a:t>
             </a:fld>
             <a:endParaRPr lang="en-US" dirty="0"/>
           </a:p>
@@ -3552,7 +3552,7 @@
             <a:fld id="{B61BEF0D-F0BB-DE4B-95CE-6DB70DBA9567}" type="datetimeFigureOut">
               <a:rPr lang="en-US" dirty="0"/>
               <a:pPr/>
-              <a:t>7/21/2024</a:t>
+              <a:t>7/21/24</a:t>
             </a:fld>
             <a:endParaRPr lang="en-US" dirty="0"/>
           </a:p>
@@ -3815,7 +3815,7 @@
             <a:fld id="{B61BEF0D-F0BB-DE4B-95CE-6DB70DBA9567}" type="datetimeFigureOut">
               <a:rPr lang="en-US" dirty="0"/>
               <a:pPr/>
-              <a:t>7/21/2024</a:t>
+              <a:t>7/21/24</a:t>
             </a:fld>
             <a:endParaRPr lang="en-US" dirty="0"/>
           </a:p>
@@ -4186,7 +4186,7 @@
             <a:fld id="{B61BEF0D-F0BB-DE4B-95CE-6DB70DBA9567}" type="datetimeFigureOut">
               <a:rPr lang="en-US" dirty="0"/>
               <a:pPr/>
-              <a:t>7/21/2024</a:t>
+              <a:t>7/21/24</a:t>
             </a:fld>
             <a:endParaRPr lang="en-US" dirty="0"/>
           </a:p>
@@ -4331,7 +4331,7 @@
             <a:fld id="{B61BEF0D-F0BB-DE4B-95CE-6DB70DBA9567}" type="datetimeFigureOut">
               <a:rPr lang="en-US" dirty="0"/>
               <a:pPr/>
-              <a:t>7/21/2024</a:t>
+              <a:t>7/21/24</a:t>
             </a:fld>
             <a:endParaRPr lang="en-US" dirty="0"/>
           </a:p>
@@ -4453,7 +4453,7 @@
             <a:fld id="{B61BEF0D-F0BB-DE4B-95CE-6DB70DBA9567}" type="datetimeFigureOut">
               <a:rPr lang="en-US" dirty="0"/>
               <a:pPr/>
-              <a:t>7/21/2024</a:t>
+              <a:t>7/21/24</a:t>
             </a:fld>
             <a:endParaRPr lang="en-US" dirty="0"/>
           </a:p>
@@ -4735,7 +4735,7 @@
             <a:fld id="{B61BEF0D-F0BB-DE4B-95CE-6DB70DBA9567}" type="datetimeFigureOut">
               <a:rPr lang="en-US" dirty="0"/>
               <a:pPr/>
-              <a:t>7/21/2024</a:t>
+              <a:t>7/21/24</a:t>
             </a:fld>
             <a:endParaRPr lang="en-US" dirty="0"/>
           </a:p>
@@ -5056,7 +5056,7 @@
             <a:fld id="{B61BEF0D-F0BB-DE4B-95CE-6DB70DBA9567}" type="datetimeFigureOut">
               <a:rPr lang="en-US" dirty="0"/>
               <a:pPr/>
-              <a:t>7/21/2024</a:t>
+              <a:t>7/21/24</a:t>
             </a:fld>
             <a:endParaRPr lang="en-US" dirty="0"/>
           </a:p>
@@ -5267,7 +5267,7 @@
             <a:fld id="{B61BEF0D-F0BB-DE4B-95CE-6DB70DBA9567}" type="datetimeFigureOut">
               <a:rPr lang="en-US" dirty="0"/>
               <a:pPr/>
-              <a:t>7/21/2024</a:t>
+              <a:t>7/21/24</a:t>
             </a:fld>
             <a:endParaRPr lang="en-US" dirty="0"/>
           </a:p>
@@ -5834,21 +5834,13 @@
           <a:p>
             <a:r>
               <a:rPr lang="en-US" cap="none" dirty="0"/>
-              <a:t>Experiment &amp; Data: Joseph Lawrence (Melendez Lab)</a:t>
+              <a:t>Experiment &amp; Data: Joseph (Melendez Lab)</a:t>
             </a:r>
           </a:p>
           <a:p>
             <a:r>
               <a:rPr lang="en-US" cap="none" dirty="0"/>
-              <a:t>Bioinformatics: Michelle Franco, </a:t>
-            </a:r>
-            <a:r>
-              <a:rPr lang="en-US" cap="none"/>
-              <a:t>Lia Di </a:t>
-            </a:r>
-            <a:r>
-              <a:rPr lang="en-US" cap="none" dirty="0"/>
-              <a:t>(Qiu lab)</a:t>
+              <a:t>Bioinformatics: Michelle Franco, Lia Di (Qiu lab)</a:t>
             </a:r>
           </a:p>
         </p:txBody>
@@ -6159,26 +6151,15 @@
       </p:grpSpPr>
       <p:sp>
         <p:nvSpPr>
-          <p:cNvPr id="8" name="Rectangle 7">
+          <p:cNvPr id="2" name="Rectangle 1">
             <a:extLst>
               <a:ext uri="{FF2B5EF4-FFF2-40B4-BE49-F238E27FC236}">
-                <a16:creationId xmlns:a16="http://schemas.microsoft.com/office/drawing/2014/main" id="{F8C668FA-2417-47B5-B454-2D55FC17FF7A}"/>
-              </a:ext>
-              <a:ext uri="{C183D7F6-B498-43B3-948B-1728B52AA6E4}">
-                <adec:decorative xmlns:adec="http://schemas.microsoft.com/office/drawing/2017/decorative" val="1"/>
+                <a16:creationId xmlns:a16="http://schemas.microsoft.com/office/drawing/2014/main" id="{C0AEF72C-1A40-12C1-BD6B-A3A8C7960E38}"/>
               </a:ext>
             </a:extLst>
           </p:cNvPr>
-          <p:cNvSpPr>
-            <a:spLocks noGrp="1" noRot="1" noChangeAspect="1" noMove="1" noResize="1" noEditPoints="1" noAdjustHandles="1" noChangeArrowheads="1" noChangeShapeType="1" noTextEdit="1"/>
-          </p:cNvSpPr>
-          <p:nvPr>
-            <p:extLst>
-              <p:ext uri="{386F3935-93C4-4BCD-93E2-E3B085C9AB24}">
-                <p16:designElem xmlns:p16="http://schemas.microsoft.com/office/powerpoint/2015/main" val="1"/>
-              </p:ext>
-            </p:extLst>
-          </p:nvPr>
+          <p:cNvSpPr/>
+          <p:nvPr/>
         </p:nvSpPr>
         <p:spPr>
           <a:xfrm>
@@ -6188,122 +6169,19 @@
           <a:prstGeom prst="rect">
             <a:avLst/>
           </a:prstGeom>
+          <a:solidFill>
+            <a:schemeClr val="bg1"/>
+          </a:solidFill>
           <a:ln>
-            <a:noFill/>
+            <a:solidFill>
+              <a:schemeClr val="bg1"/>
+            </a:solidFill>
           </a:ln>
         </p:spPr>
         <p:style>
           <a:lnRef idx="2">
             <a:schemeClr val="accent1">
-              <a:shade val="50000"/>
-            </a:schemeClr>
-          </a:lnRef>
-          <a:fillRef idx="1003">
-            <a:schemeClr val="dk2"/>
-          </a:fillRef>
-          <a:effectRef idx="0">
-            <a:schemeClr val="accent1"/>
-          </a:effectRef>
-          <a:fontRef idx="minor">
-            <a:schemeClr val="lt1"/>
-          </a:fontRef>
-        </p:style>
-        <p:txBody>
-          <a:bodyPr rtlCol="0" anchor="ctr"/>
-          <a:lstStyle/>
-          <a:p>
-            <a:pPr algn="ctr"/>
-            <a:endParaRPr lang="en-US"/>
-          </a:p>
-        </p:txBody>
-      </p:sp>
-      <p:pic>
-        <p:nvPicPr>
-          <p:cNvPr id="10" name="Picture 9">
-            <a:extLst>
-              <a:ext uri="{FF2B5EF4-FFF2-40B4-BE49-F238E27FC236}">
-                <a16:creationId xmlns:a16="http://schemas.microsoft.com/office/drawing/2014/main" id="{97FEBA57-8992-46BB-BCF0-5A83FE8E01E8}"/>
-              </a:ext>
-              <a:ext uri="{C183D7F6-B498-43B3-948B-1728B52AA6E4}">
-                <adec:decorative xmlns:adec="http://schemas.microsoft.com/office/drawing/2017/decorative" val="1"/>
-              </a:ext>
-            </a:extLst>
-          </p:cNvPr>
-          <p:cNvPicPr>
-            <a:picLocks noGrp="1" noRot="1" noChangeAspect="1" noMove="1" noResize="1" noEditPoints="1" noAdjustHandles="1" noChangeArrowheads="1" noChangeShapeType="1" noCrop="1"/>
-          </p:cNvPicPr>
-          <p:nvPr>
-            <p:extLst>
-              <p:ext uri="{386F3935-93C4-4BCD-93E2-E3B085C9AB24}">
-                <p16:designElem xmlns:p16="http://schemas.microsoft.com/office/powerpoint/2015/main" val="1"/>
-              </p:ext>
-            </p:extLst>
-          </p:nvPr>
-        </p:nvPicPr>
-        <p:blipFill>
-          <a:blip r:embed="rId2">
-            <a:extLst>
-              <a:ext uri="{28A0092B-C50C-407E-A947-70E740481C1C}">
-                <a14:useLocalDpi xmlns:a14="http://schemas.microsoft.com/office/drawing/2010/main" val="0"/>
-              </a:ext>
-            </a:extLst>
-          </a:blip>
-          <a:stretch>
-            <a:fillRect/>
-          </a:stretch>
-        </p:blipFill>
-        <p:spPr>
-          <a:xfrm>
-            <a:off x="0" y="0"/>
-            <a:ext cx="12188825" cy="6856214"/>
-          </a:xfrm>
-          <a:prstGeom prst="rect">
-            <a:avLst/>
-          </a:prstGeom>
-        </p:spPr>
-      </p:pic>
-      <p:sp>
-        <p:nvSpPr>
-          <p:cNvPr id="12" name="Rectangle 11">
-            <a:extLst>
-              <a:ext uri="{FF2B5EF4-FFF2-40B4-BE49-F238E27FC236}">
-                <a16:creationId xmlns:a16="http://schemas.microsoft.com/office/drawing/2014/main" id="{2B4CDDF6-55C3-415A-8D8B-7E03C3D616FC}"/>
-              </a:ext>
-              <a:ext uri="{C183D7F6-B498-43B3-948B-1728B52AA6E4}">
-                <adec:decorative xmlns:adec="http://schemas.microsoft.com/office/drawing/2017/decorative" val="1"/>
-              </a:ext>
-            </a:extLst>
-          </p:cNvPr>
-          <p:cNvSpPr>
-            <a:spLocks noGrp="1" noRot="1" noChangeAspect="1" noMove="1" noResize="1" noEditPoints="1" noAdjustHandles="1" noChangeArrowheads="1" noChangeShapeType="1" noTextEdit="1"/>
-          </p:cNvSpPr>
-          <p:nvPr>
-            <p:extLst>
-              <p:ext uri="{386F3935-93C4-4BCD-93E2-E3B085C9AB24}">
-                <p16:designElem xmlns:p16="http://schemas.microsoft.com/office/powerpoint/2015/main" val="1"/>
-              </p:ext>
-            </p:extLst>
-          </p:nvPr>
-        </p:nvSpPr>
-        <p:spPr>
-          <a:xfrm>
-            <a:off x="477012" y="480060"/>
-            <a:ext cx="11237976" cy="5897880"/>
-          </a:xfrm>
-          <a:prstGeom prst="rect">
-            <a:avLst/>
-          </a:prstGeom>
-          <a:solidFill>
-            <a:schemeClr val="bg1"/>
-          </a:solidFill>
-          <a:ln>
-            <a:noFill/>
-          </a:ln>
-        </p:spPr>
-        <p:style>
-          <a:lnRef idx="2">
-            <a:schemeClr val="accent1">
-              <a:shade val="50000"/>
+              <a:shade val="15000"/>
             </a:schemeClr>
           </a:lnRef>
           <a:fillRef idx="1">
@@ -6321,16 +6199,16 @@
           <a:lstStyle/>
           <a:p>
             <a:pPr algn="ctr"/>
-            <a:endParaRPr lang="en-US"/>
+            <a:endParaRPr lang="en-US" dirty="0"/>
           </a:p>
         </p:txBody>
       </p:sp>
       <p:pic>
         <p:nvPicPr>
-          <p:cNvPr id="3" name="Picture 2" descr="A group of colored dots&#10;&#10;Description automatically generated">
+          <p:cNvPr id="4" name="Picture 3" descr="A collage of images of different colored shapes&#10;&#10;Description automatically generated">
             <a:extLst>
               <a:ext uri="{FF2B5EF4-FFF2-40B4-BE49-F238E27FC236}">
-                <a16:creationId xmlns:a16="http://schemas.microsoft.com/office/drawing/2014/main" id="{9B292570-56DC-9747-8D9E-2F8B2300CD23}"/>
+                <a16:creationId xmlns:a16="http://schemas.microsoft.com/office/drawing/2014/main" id="{C85D5D32-CCB4-C324-4C76-4E8255775CD4}"/>
               </a:ext>
             </a:extLst>
           </p:cNvPr>
@@ -6340,338 +6218,2969 @@
           <p:nvPr/>
         </p:nvPicPr>
         <p:blipFill>
-          <a:blip r:embed="rId3"/>
+          <a:blip r:embed="rId2"/>
           <a:stretch>
             <a:fillRect/>
           </a:stretch>
         </p:blipFill>
         <p:spPr>
           <a:xfrm>
-            <a:off x="1138448" y="478274"/>
-            <a:ext cx="7372352" cy="5897880"/>
+            <a:off x="1007471" y="112734"/>
+            <a:ext cx="8337369" cy="6638795"/>
           </a:xfrm>
           <a:prstGeom prst="rect">
             <a:avLst/>
           </a:prstGeom>
         </p:spPr>
       </p:pic>
-      <p:cxnSp>
-        <p:nvCxnSpPr>
-          <p:cNvPr id="6" name="Straight Connector 5">
+      <p:graphicFrame>
+        <p:nvGraphicFramePr>
+          <p:cNvPr id="3" name="Table 2">
             <a:extLst>
               <a:ext uri="{FF2B5EF4-FFF2-40B4-BE49-F238E27FC236}">
-                <a16:creationId xmlns:a16="http://schemas.microsoft.com/office/drawing/2014/main" id="{FE488F7B-CC4A-F479-B97F-C22E39F91375}"/>
+                <a16:creationId xmlns:a16="http://schemas.microsoft.com/office/drawing/2014/main" id="{71F502D6-8DA1-1421-E221-70B555777DDE}"/>
               </a:ext>
             </a:extLst>
           </p:cNvPr>
-          <p:cNvCxnSpPr>
-            <a:cxnSpLocks/>
-          </p:cNvCxnSpPr>
-          <p:nvPr/>
-        </p:nvCxnSpPr>
-        <p:spPr>
-          <a:xfrm>
-            <a:off x="1654628" y="3243941"/>
-            <a:ext cx="6302829" cy="0"/>
-          </a:xfrm>
-          <a:prstGeom prst="line">
-            <a:avLst/>
-          </a:prstGeom>
-          <a:ln w="12700">
-            <a:solidFill>
-              <a:schemeClr val="tx1"/>
-            </a:solidFill>
-          </a:ln>
-        </p:spPr>
-        <p:style>
-          <a:lnRef idx="1">
-            <a:schemeClr val="accent1"/>
-          </a:lnRef>
-          <a:fillRef idx="0">
-            <a:schemeClr val="accent1"/>
-          </a:fillRef>
-          <a:effectRef idx="0">
-            <a:schemeClr val="accent1"/>
-          </a:effectRef>
-          <a:fontRef idx="minor">
-            <a:schemeClr val="tx1"/>
-          </a:fontRef>
-        </p:style>
-      </p:cxnSp>
-      <p:cxnSp>
-        <p:nvCxnSpPr>
-          <p:cNvPr id="11" name="Straight Connector 10">
-            <a:extLst>
-              <a:ext uri="{FF2B5EF4-FFF2-40B4-BE49-F238E27FC236}">
-                <a16:creationId xmlns:a16="http://schemas.microsoft.com/office/drawing/2014/main" id="{39BD45A9-6670-A221-7664-85F6A0E9F4FE}"/>
-              </a:ext>
-            </a:extLst>
-          </p:cNvPr>
-          <p:cNvCxnSpPr>
-            <a:cxnSpLocks/>
-          </p:cNvCxnSpPr>
-          <p:nvPr/>
-        </p:nvCxnSpPr>
-        <p:spPr>
-          <a:xfrm>
-            <a:off x="4824624" y="696687"/>
-            <a:ext cx="0" cy="5203371"/>
-          </a:xfrm>
-          <a:prstGeom prst="line">
-            <a:avLst/>
-          </a:prstGeom>
-          <a:ln w="12700">
-            <a:solidFill>
-              <a:schemeClr val="tx1"/>
-            </a:solidFill>
-          </a:ln>
-        </p:spPr>
-        <p:style>
-          <a:lnRef idx="1">
-            <a:schemeClr val="accent1"/>
-          </a:lnRef>
-          <a:fillRef idx="0">
-            <a:schemeClr val="accent1"/>
-          </a:fillRef>
-          <a:effectRef idx="0">
-            <a:schemeClr val="accent1"/>
-          </a:effectRef>
-          <a:fontRef idx="minor">
-            <a:schemeClr val="tx1"/>
-          </a:fontRef>
-        </p:style>
-      </p:cxnSp>
-      <p:sp>
-        <p:nvSpPr>
-          <p:cNvPr id="25" name="TextBox 24">
-            <a:extLst>
-              <a:ext uri="{FF2B5EF4-FFF2-40B4-BE49-F238E27FC236}">
-                <a16:creationId xmlns:a16="http://schemas.microsoft.com/office/drawing/2014/main" id="{56E897F1-6EB8-8B0C-4888-74F4409B4E39}"/>
-              </a:ext>
-            </a:extLst>
-          </p:cNvPr>
-          <p:cNvSpPr txBox="1"/>
-          <p:nvPr/>
-        </p:nvSpPr>
-        <p:spPr>
-          <a:xfrm>
-            <a:off x="8434469" y="827895"/>
-            <a:ext cx="3057528" cy="4832092"/>
-          </a:xfrm>
-          <a:prstGeom prst="rect">
-            <a:avLst/>
-          </a:prstGeom>
-          <a:noFill/>
-        </p:spPr>
-        <p:txBody>
-          <a:bodyPr wrap="square">
-            <a:spAutoFit/>
-          </a:bodyPr>
-          <a:lstStyle/>
-          <a:p>
-            <a:r>
-              <a:rPr lang="en-US" sz="1400" dirty="0">
-                <a:latin typeface="Courier New" panose="02070309020205020404" pitchFamily="49" charset="0"/>
-                <a:cs typeface="Courier New" panose="02070309020205020404" pitchFamily="49" charset="0"/>
-              </a:rPr>
-              <a:t> 		</a:t>
-            </a:r>
-            <a:r>
-              <a:rPr lang="en-US" sz="1400" b="1" u="sng" dirty="0">
-                <a:latin typeface="Courier New" panose="02070309020205020404" pitchFamily="49" charset="0"/>
-                <a:cs typeface="Courier New" panose="02070309020205020404" pitchFamily="49" charset="0"/>
-              </a:rPr>
-              <a:t>Cell Counts</a:t>
-            </a:r>
-          </a:p>
-          <a:p>
-            <a:endParaRPr lang="en-US" sz="1400" b="1" u="sng" dirty="0">
-              <a:latin typeface="Courier New" panose="02070309020205020404" pitchFamily="49" charset="0"/>
-              <a:cs typeface="Courier New" panose="02070309020205020404" pitchFamily="49" charset="0"/>
-            </a:endParaRPr>
-          </a:p>
-          <a:p>
-            <a:r>
-              <a:rPr lang="en-US" sz="1400" dirty="0">
-                <a:latin typeface="Courier New" panose="02070309020205020404" pitchFamily="49" charset="0"/>
-                <a:cs typeface="Courier New" panose="02070309020205020404" pitchFamily="49" charset="0"/>
-              </a:rPr>
-              <a:t>	CRE0 CRE1 NCAR0 NCAR1</a:t>
-            </a:r>
-          </a:p>
-          <a:p>
-            <a:r>
-              <a:rPr lang="en-US" sz="1400" dirty="0">
-                <a:latin typeface="Courier New" panose="02070309020205020404" pitchFamily="49" charset="0"/>
-                <a:cs typeface="Courier New" panose="02070309020205020404" pitchFamily="49" charset="0"/>
-              </a:rPr>
-              <a:t>  0  3653 1433  4598  1669</a:t>
-            </a:r>
-          </a:p>
-          <a:p>
-            <a:r>
-              <a:rPr lang="en-US" sz="1400" dirty="0">
-                <a:latin typeface="Courier New" panose="02070309020205020404" pitchFamily="49" charset="0"/>
-                <a:cs typeface="Courier New" panose="02070309020205020404" pitchFamily="49" charset="0"/>
-              </a:rPr>
-              <a:t>  1  1542  769  1966   759</a:t>
-            </a:r>
-          </a:p>
-          <a:p>
-            <a:r>
-              <a:rPr lang="en-US" sz="1400" dirty="0">
-                <a:latin typeface="Courier New" panose="02070309020205020404" pitchFamily="49" charset="0"/>
-                <a:cs typeface="Courier New" panose="02070309020205020404" pitchFamily="49" charset="0"/>
-              </a:rPr>
-              <a:t>  2  1047  683  1067   466</a:t>
-            </a:r>
-          </a:p>
-          <a:p>
-            <a:r>
-              <a:rPr lang="en-US" sz="1400" dirty="0">
-                <a:latin typeface="Courier New" panose="02070309020205020404" pitchFamily="49" charset="0"/>
-                <a:cs typeface="Courier New" panose="02070309020205020404" pitchFamily="49" charset="0"/>
-              </a:rPr>
-              <a:t>  3   155 1737   247   630</a:t>
-            </a:r>
-          </a:p>
-          <a:p>
-            <a:r>
-              <a:rPr lang="en-US" sz="1400" dirty="0">
-                <a:latin typeface="Courier New" panose="02070309020205020404" pitchFamily="49" charset="0"/>
-                <a:cs typeface="Courier New" panose="02070309020205020404" pitchFamily="49" charset="0"/>
-              </a:rPr>
-              <a:t>  4   740  988   163   237</a:t>
-            </a:r>
-          </a:p>
-          <a:p>
-            <a:r>
-              <a:rPr lang="en-US" sz="1400" dirty="0">
-                <a:latin typeface="Courier New" panose="02070309020205020404" pitchFamily="49" charset="0"/>
-                <a:cs typeface="Courier New" panose="02070309020205020404" pitchFamily="49" charset="0"/>
-              </a:rPr>
-              <a:t>  5   594  392   499   340</a:t>
-            </a:r>
-          </a:p>
-          <a:p>
-            <a:r>
-              <a:rPr lang="en-US" sz="1400" dirty="0">
-                <a:latin typeface="Courier New" panose="02070309020205020404" pitchFamily="49" charset="0"/>
-                <a:cs typeface="Courier New" panose="02070309020205020404" pitchFamily="49" charset="0"/>
-              </a:rPr>
-              <a:t>  6   259  648   407   459</a:t>
-            </a:r>
-          </a:p>
-          <a:p>
-            <a:r>
-              <a:rPr lang="en-US" sz="1400" dirty="0">
-                <a:latin typeface="Courier New" panose="02070309020205020404" pitchFamily="49" charset="0"/>
-                <a:cs typeface="Courier New" panose="02070309020205020404" pitchFamily="49" charset="0"/>
-              </a:rPr>
-              <a:t>  7   461  185   863   100</a:t>
-            </a:r>
-          </a:p>
-          <a:p>
-            <a:r>
-              <a:rPr lang="en-US" sz="1400" dirty="0">
-                <a:latin typeface="Courier New" panose="02070309020205020404" pitchFamily="49" charset="0"/>
-                <a:cs typeface="Courier New" panose="02070309020205020404" pitchFamily="49" charset="0"/>
-              </a:rPr>
-              <a:t>  8   393  209   823   139</a:t>
-            </a:r>
-          </a:p>
-          <a:p>
-            <a:r>
-              <a:rPr lang="en-US" sz="1400" dirty="0">
-                <a:latin typeface="Courier New" panose="02070309020205020404" pitchFamily="49" charset="0"/>
-                <a:cs typeface="Courier New" panose="02070309020205020404" pitchFamily="49" charset="0"/>
-              </a:rPr>
-              <a:t>  9   253  394   380   429</a:t>
-            </a:r>
-          </a:p>
-          <a:p>
-            <a:r>
-              <a:rPr lang="en-US" sz="1400" dirty="0">
-                <a:latin typeface="Courier New" panose="02070309020205020404" pitchFamily="49" charset="0"/>
-                <a:cs typeface="Courier New" panose="02070309020205020404" pitchFamily="49" charset="0"/>
-              </a:rPr>
-              <a:t>  10  257  146   713   128</a:t>
-            </a:r>
-          </a:p>
-          <a:p>
-            <a:r>
-              <a:rPr lang="en-US" sz="1400" dirty="0">
-                <a:latin typeface="Courier New" panose="02070309020205020404" pitchFamily="49" charset="0"/>
-                <a:cs typeface="Courier New" panose="02070309020205020404" pitchFamily="49" charset="0"/>
-              </a:rPr>
-              <a:t>  11  363  329   187    69</a:t>
-            </a:r>
-          </a:p>
-          <a:p>
-            <a:r>
-              <a:rPr lang="en-US" sz="1400" dirty="0">
-                <a:latin typeface="Courier New" panose="02070309020205020404" pitchFamily="49" charset="0"/>
-                <a:cs typeface="Courier New" panose="02070309020205020404" pitchFamily="49" charset="0"/>
-              </a:rPr>
-              <a:t>  12   21  402    33   410</a:t>
-            </a:r>
-          </a:p>
-          <a:p>
-            <a:r>
-              <a:rPr lang="en-US" sz="1400" dirty="0">
-                <a:latin typeface="Courier New" panose="02070309020205020404" pitchFamily="49" charset="0"/>
-                <a:cs typeface="Courier New" panose="02070309020205020404" pitchFamily="49" charset="0"/>
-              </a:rPr>
-              <a:t>  13  270  366   140    69</a:t>
-            </a:r>
-          </a:p>
-          <a:p>
-            <a:r>
-              <a:rPr lang="en-US" sz="1400" dirty="0">
-                <a:latin typeface="Courier New" panose="02070309020205020404" pitchFamily="49" charset="0"/>
-                <a:cs typeface="Courier New" panose="02070309020205020404" pitchFamily="49" charset="0"/>
-              </a:rPr>
-              <a:t>  14  251  288    74    39</a:t>
-            </a:r>
-          </a:p>
-          <a:p>
-            <a:r>
-              <a:rPr lang="en-US" sz="1400" dirty="0">
-                <a:latin typeface="Courier New" panose="02070309020205020404" pitchFamily="49" charset="0"/>
-                <a:cs typeface="Courier New" panose="02070309020205020404" pitchFamily="49" charset="0"/>
-              </a:rPr>
-              <a:t>  15  178  172    49    46</a:t>
-            </a:r>
-          </a:p>
-          <a:p>
-            <a:r>
-              <a:rPr lang="en-US" sz="1400" dirty="0">
-                <a:latin typeface="Courier New" panose="02070309020205020404" pitchFamily="49" charset="0"/>
-                <a:cs typeface="Courier New" panose="02070309020205020404" pitchFamily="49" charset="0"/>
-              </a:rPr>
-              <a:t>  16   80   92   109   128</a:t>
-            </a:r>
-          </a:p>
-          <a:p>
-            <a:r>
-              <a:rPr lang="en-US" sz="1400" dirty="0">
-                <a:latin typeface="Courier New" panose="02070309020205020404" pitchFamily="49" charset="0"/>
-                <a:cs typeface="Courier New" panose="02070309020205020404" pitchFamily="49" charset="0"/>
-              </a:rPr>
-              <a:t>  17   12  222    13   150</a:t>
-            </a:r>
-          </a:p>
-          <a:p>
-            <a:r>
-              <a:rPr lang="en-US" sz="1400" dirty="0">
-                <a:latin typeface="Courier New" panose="02070309020205020404" pitchFamily="49" charset="0"/>
-                <a:cs typeface="Courier New" panose="02070309020205020404" pitchFamily="49" charset="0"/>
-              </a:rPr>
-              <a:t>  18   52   56   166   104</a:t>
-            </a:r>
-          </a:p>
-        </p:txBody>
-      </p:sp>
+          <p:cNvGraphicFramePr>
+            <a:graphicFrameLocks noGrp="1"/>
+          </p:cNvGraphicFramePr>
+          <p:nvPr>
+            <p:extLst>
+              <p:ext uri="{D42A27DB-BD31-4B8C-83A1-F6EECF244321}">
+                <p14:modId xmlns:p14="http://schemas.microsoft.com/office/powerpoint/2010/main" val="3413881879"/>
+              </p:ext>
+            </p:extLst>
+          </p:nvPr>
+        </p:nvGraphicFramePr>
+        <p:xfrm>
+          <a:off x="9119826" y="1392678"/>
+          <a:ext cx="2178650" cy="3649660"/>
+        </p:xfrm>
+        <a:graphic>
+          <a:graphicData uri="http://schemas.openxmlformats.org/drawingml/2006/table">
+            <a:tbl>
+              <a:tblPr>
+                <a:tableStyleId>{5C22544A-7EE6-4342-B048-85BDC9FD1C3A}</a:tableStyleId>
+              </a:tblPr>
+              <a:tblGrid>
+                <a:gridCol w="435730">
+                  <a:extLst>
+                    <a:ext uri="{9D8B030D-6E8A-4147-A177-3AD203B41FA5}">
+                      <a16:colId xmlns:a16="http://schemas.microsoft.com/office/drawing/2014/main" val="1721958506"/>
+                    </a:ext>
+                  </a:extLst>
+                </a:gridCol>
+                <a:gridCol w="435730">
+                  <a:extLst>
+                    <a:ext uri="{9D8B030D-6E8A-4147-A177-3AD203B41FA5}">
+                      <a16:colId xmlns:a16="http://schemas.microsoft.com/office/drawing/2014/main" val="1790578681"/>
+                    </a:ext>
+                  </a:extLst>
+                </a:gridCol>
+                <a:gridCol w="435730">
+                  <a:extLst>
+                    <a:ext uri="{9D8B030D-6E8A-4147-A177-3AD203B41FA5}">
+                      <a16:colId xmlns:a16="http://schemas.microsoft.com/office/drawing/2014/main" val="2034739072"/>
+                    </a:ext>
+                  </a:extLst>
+                </a:gridCol>
+                <a:gridCol w="435730">
+                  <a:extLst>
+                    <a:ext uri="{9D8B030D-6E8A-4147-A177-3AD203B41FA5}">
+                      <a16:colId xmlns:a16="http://schemas.microsoft.com/office/drawing/2014/main" val="3347347649"/>
+                    </a:ext>
+                  </a:extLst>
+                </a:gridCol>
+                <a:gridCol w="435730">
+                  <a:extLst>
+                    <a:ext uri="{9D8B030D-6E8A-4147-A177-3AD203B41FA5}">
+                      <a16:colId xmlns:a16="http://schemas.microsoft.com/office/drawing/2014/main" val="3456599188"/>
+                    </a:ext>
+                  </a:extLst>
+                </a:gridCol>
+              </a:tblGrid>
+              <a:tr h="182483">
+                <a:tc>
+                  <a:txBody>
+                    <a:bodyPr/>
+                    <a:lstStyle/>
+                    <a:p>
+                      <a:pPr algn="ctr" fontAlgn="b"/>
+                      <a:endParaRPr lang="en-US" sz="1100" b="1" i="0" u="none" strike="noStrike" dirty="0">
+                        <a:solidFill>
+                          <a:srgbClr val="000000"/>
+                        </a:solidFill>
+                        <a:effectLst/>
+                        <a:latin typeface="Aptos Narrow" panose="020B0004020202020204" pitchFamily="34" charset="0"/>
+                      </a:endParaRPr>
+                    </a:p>
+                  </a:txBody>
+                  <a:tcPr marL="8554" marR="137160" marT="8554" marB="0" anchor="b">
+                    <a:solidFill>
+                      <a:schemeClr val="bg1"/>
+                    </a:solidFill>
+                  </a:tcPr>
+                </a:tc>
+                <a:tc>
+                  <a:txBody>
+                    <a:bodyPr/>
+                    <a:lstStyle/>
+                    <a:p>
+                      <a:pPr algn="ctr" fontAlgn="b"/>
+                      <a:r>
+                        <a:rPr lang="en-US" sz="1100" b="1" u="none" strike="noStrike" dirty="0">
+                          <a:effectLst/>
+                        </a:rPr>
+                        <a:t>NCAR0</a:t>
+                      </a:r>
+                      <a:endParaRPr lang="en-US" sz="1100" b="1" i="0" u="none" strike="noStrike" dirty="0">
+                        <a:solidFill>
+                          <a:srgbClr val="000000"/>
+                        </a:solidFill>
+                        <a:effectLst/>
+                        <a:latin typeface="Aptos Narrow" panose="020B0004020202020204" pitchFamily="34" charset="0"/>
+                      </a:endParaRPr>
+                    </a:p>
+                  </a:txBody>
+                  <a:tcPr marL="8554" marR="8554" marT="8554" marB="0" anchor="b">
+                    <a:solidFill>
+                      <a:schemeClr val="bg1"/>
+                    </a:solidFill>
+                  </a:tcPr>
+                </a:tc>
+                <a:tc>
+                  <a:txBody>
+                    <a:bodyPr/>
+                    <a:lstStyle/>
+                    <a:p>
+                      <a:pPr algn="ctr" fontAlgn="b"/>
+                      <a:r>
+                        <a:rPr lang="en-US" sz="1100" b="1" u="none" strike="noStrike" dirty="0">
+                          <a:effectLst/>
+                        </a:rPr>
+                        <a:t>NCAR1</a:t>
+                      </a:r>
+                      <a:endParaRPr lang="en-US" sz="1100" b="1" i="0" u="none" strike="noStrike" dirty="0">
+                        <a:solidFill>
+                          <a:srgbClr val="000000"/>
+                        </a:solidFill>
+                        <a:effectLst/>
+                        <a:latin typeface="Aptos Narrow" panose="020B0004020202020204" pitchFamily="34" charset="0"/>
+                      </a:endParaRPr>
+                    </a:p>
+                  </a:txBody>
+                  <a:tcPr marL="8554" marR="8554" marT="8554" marB="0" anchor="b">
+                    <a:solidFill>
+                      <a:schemeClr val="bg1"/>
+                    </a:solidFill>
+                  </a:tcPr>
+                </a:tc>
+                <a:tc>
+                  <a:txBody>
+                    <a:bodyPr/>
+                    <a:lstStyle/>
+                    <a:p>
+                      <a:pPr algn="ctr" fontAlgn="b"/>
+                      <a:r>
+                        <a:rPr lang="en-US" sz="1100" b="1" u="none" strike="noStrike" dirty="0">
+                          <a:effectLst/>
+                        </a:rPr>
+                        <a:t>CRE0</a:t>
+                      </a:r>
+                      <a:endParaRPr lang="en-US" sz="1100" b="1" i="0" u="none" strike="noStrike" dirty="0">
+                        <a:solidFill>
+                          <a:srgbClr val="000000"/>
+                        </a:solidFill>
+                        <a:effectLst/>
+                        <a:latin typeface="Aptos Narrow" panose="020B0004020202020204" pitchFamily="34" charset="0"/>
+                      </a:endParaRPr>
+                    </a:p>
+                  </a:txBody>
+                  <a:tcPr marL="8554" marR="8554" marT="8554" marB="0" anchor="b">
+                    <a:solidFill>
+                      <a:schemeClr val="bg1"/>
+                    </a:solidFill>
+                  </a:tcPr>
+                </a:tc>
+                <a:tc>
+                  <a:txBody>
+                    <a:bodyPr/>
+                    <a:lstStyle/>
+                    <a:p>
+                      <a:pPr algn="ctr" fontAlgn="b"/>
+                      <a:r>
+                        <a:rPr lang="en-US" sz="1100" b="1" u="none" strike="noStrike" dirty="0">
+                          <a:effectLst/>
+                        </a:rPr>
+                        <a:t>CRE1</a:t>
+                      </a:r>
+                      <a:endParaRPr lang="en-US" sz="1100" b="1" i="0" u="none" strike="noStrike" dirty="0">
+                        <a:solidFill>
+                          <a:srgbClr val="000000"/>
+                        </a:solidFill>
+                        <a:effectLst/>
+                        <a:latin typeface="Aptos Narrow" panose="020B0004020202020204" pitchFamily="34" charset="0"/>
+                      </a:endParaRPr>
+                    </a:p>
+                  </a:txBody>
+                  <a:tcPr marL="8554" marR="8554" marT="8554" marB="0" anchor="b">
+                    <a:solidFill>
+                      <a:schemeClr val="bg1"/>
+                    </a:solidFill>
+                  </a:tcPr>
+                </a:tc>
+                <a:extLst>
+                  <a:ext uri="{0D108BD9-81ED-4DB2-BD59-A6C34878D82A}">
+                    <a16:rowId xmlns:a16="http://schemas.microsoft.com/office/drawing/2014/main" val="459064609"/>
+                  </a:ext>
+                </a:extLst>
+              </a:tr>
+              <a:tr h="182483">
+                <a:tc>
+                  <a:txBody>
+                    <a:bodyPr/>
+                    <a:lstStyle/>
+                    <a:p>
+                      <a:pPr algn="r" fontAlgn="b"/>
+                      <a:r>
+                        <a:rPr lang="en-US" sz="1100" b="1" i="0" u="none" strike="noStrike" dirty="0">
+                          <a:solidFill>
+                            <a:srgbClr val="000000"/>
+                          </a:solidFill>
+                          <a:effectLst/>
+                          <a:latin typeface="Aptos Narrow" panose="020B0004020202020204" pitchFamily="34" charset="0"/>
+                        </a:rPr>
+                        <a:t>0</a:t>
+                      </a:r>
+                    </a:p>
+                  </a:txBody>
+                  <a:tcPr marL="8554" marR="137160" marT="8554" marB="0" anchor="b">
+                    <a:solidFill>
+                      <a:schemeClr val="bg1">
+                        <a:lumMod val="85000"/>
+                      </a:schemeClr>
+                    </a:solidFill>
+                  </a:tcPr>
+                </a:tc>
+                <a:tc>
+                  <a:txBody>
+                    <a:bodyPr/>
+                    <a:lstStyle/>
+                    <a:p>
+                      <a:pPr algn="r" fontAlgn="b"/>
+                      <a:r>
+                        <a:rPr lang="en-US" sz="1100" u="none" strike="noStrike" dirty="0">
+                          <a:effectLst/>
+                        </a:rPr>
+                        <a:t>4598</a:t>
+                      </a:r>
+                      <a:endParaRPr lang="en-US" sz="1100" b="0" i="0" u="none" strike="noStrike" dirty="0">
+                        <a:solidFill>
+                          <a:srgbClr val="000000"/>
+                        </a:solidFill>
+                        <a:effectLst/>
+                        <a:latin typeface="Aptos Narrow" panose="020B0004020202020204" pitchFamily="34" charset="0"/>
+                      </a:endParaRPr>
+                    </a:p>
+                  </a:txBody>
+                  <a:tcPr marL="8554" marT="8554" marB="0" anchor="b">
+                    <a:solidFill>
+                      <a:schemeClr val="bg1">
+                        <a:lumMod val="85000"/>
+                      </a:schemeClr>
+                    </a:solidFill>
+                  </a:tcPr>
+                </a:tc>
+                <a:tc>
+                  <a:txBody>
+                    <a:bodyPr/>
+                    <a:lstStyle/>
+                    <a:p>
+                      <a:pPr algn="r" fontAlgn="b"/>
+                      <a:r>
+                        <a:rPr lang="en-US" sz="1100" u="none" strike="noStrike" dirty="0">
+                          <a:effectLst/>
+                        </a:rPr>
+                        <a:t>1669</a:t>
+                      </a:r>
+                      <a:endParaRPr lang="en-US" sz="1100" b="0" i="0" u="none" strike="noStrike" dirty="0">
+                        <a:solidFill>
+                          <a:srgbClr val="000000"/>
+                        </a:solidFill>
+                        <a:effectLst/>
+                        <a:latin typeface="Aptos Narrow" panose="020B0004020202020204" pitchFamily="34" charset="0"/>
+                      </a:endParaRPr>
+                    </a:p>
+                  </a:txBody>
+                  <a:tcPr marL="8554" marT="8554" marB="0" anchor="b">
+                    <a:solidFill>
+                      <a:schemeClr val="bg1">
+                        <a:lumMod val="85000"/>
+                      </a:schemeClr>
+                    </a:solidFill>
+                  </a:tcPr>
+                </a:tc>
+                <a:tc>
+                  <a:txBody>
+                    <a:bodyPr/>
+                    <a:lstStyle/>
+                    <a:p>
+                      <a:pPr algn="r" fontAlgn="b"/>
+                      <a:r>
+                        <a:rPr lang="en-US" sz="1100" u="none" strike="noStrike" dirty="0">
+                          <a:effectLst/>
+                        </a:rPr>
+                        <a:t>3653</a:t>
+                      </a:r>
+                      <a:endParaRPr lang="en-US" sz="1100" b="0" i="0" u="none" strike="noStrike" dirty="0">
+                        <a:solidFill>
+                          <a:srgbClr val="000000"/>
+                        </a:solidFill>
+                        <a:effectLst/>
+                        <a:latin typeface="Aptos Narrow" panose="020B0004020202020204" pitchFamily="34" charset="0"/>
+                      </a:endParaRPr>
+                    </a:p>
+                  </a:txBody>
+                  <a:tcPr marL="8554" marT="8554" marB="0" anchor="b">
+                    <a:solidFill>
+                      <a:schemeClr val="bg1">
+                        <a:lumMod val="85000"/>
+                      </a:schemeClr>
+                    </a:solidFill>
+                  </a:tcPr>
+                </a:tc>
+                <a:tc>
+                  <a:txBody>
+                    <a:bodyPr/>
+                    <a:lstStyle/>
+                    <a:p>
+                      <a:pPr algn="r" fontAlgn="b"/>
+                      <a:r>
+                        <a:rPr lang="en-US" sz="1100" u="none" strike="noStrike" dirty="0">
+                          <a:effectLst/>
+                        </a:rPr>
+                        <a:t>1433</a:t>
+                      </a:r>
+                      <a:endParaRPr lang="en-US" sz="1100" b="0" i="0" u="none" strike="noStrike" dirty="0">
+                        <a:solidFill>
+                          <a:srgbClr val="000000"/>
+                        </a:solidFill>
+                        <a:effectLst/>
+                        <a:latin typeface="Aptos Narrow" panose="020B0004020202020204" pitchFamily="34" charset="0"/>
+                      </a:endParaRPr>
+                    </a:p>
+                  </a:txBody>
+                  <a:tcPr marL="8554" marT="8554" marB="0" anchor="b">
+                    <a:solidFill>
+                      <a:schemeClr val="bg1">
+                        <a:lumMod val="85000"/>
+                      </a:schemeClr>
+                    </a:solidFill>
+                  </a:tcPr>
+                </a:tc>
+                <a:extLst>
+                  <a:ext uri="{0D108BD9-81ED-4DB2-BD59-A6C34878D82A}">
+                    <a16:rowId xmlns:a16="http://schemas.microsoft.com/office/drawing/2014/main" val="3457286247"/>
+                  </a:ext>
+                </a:extLst>
+              </a:tr>
+              <a:tr h="182483">
+                <a:tc>
+                  <a:txBody>
+                    <a:bodyPr/>
+                    <a:lstStyle/>
+                    <a:p>
+                      <a:pPr algn="r" fontAlgn="b"/>
+                      <a:r>
+                        <a:rPr lang="en-US" sz="1100" b="1" i="0" u="none" strike="noStrike" dirty="0">
+                          <a:solidFill>
+                            <a:srgbClr val="000000"/>
+                          </a:solidFill>
+                          <a:effectLst/>
+                          <a:latin typeface="Aptos Narrow" panose="020B0004020202020204" pitchFamily="34" charset="0"/>
+                        </a:rPr>
+                        <a:t>1</a:t>
+                      </a:r>
+                    </a:p>
+                  </a:txBody>
+                  <a:tcPr marL="8554" marR="137160" marT="8554" marB="0" anchor="b">
+                    <a:solidFill>
+                      <a:schemeClr val="bg1"/>
+                    </a:solidFill>
+                  </a:tcPr>
+                </a:tc>
+                <a:tc>
+                  <a:txBody>
+                    <a:bodyPr/>
+                    <a:lstStyle/>
+                    <a:p>
+                      <a:pPr algn="r" fontAlgn="b"/>
+                      <a:r>
+                        <a:rPr lang="en-US" sz="1100" u="none" strike="noStrike" dirty="0">
+                          <a:effectLst/>
+                        </a:rPr>
+                        <a:t>1966</a:t>
+                      </a:r>
+                      <a:endParaRPr lang="en-US" sz="1100" b="0" i="0" u="none" strike="noStrike" dirty="0">
+                        <a:solidFill>
+                          <a:srgbClr val="000000"/>
+                        </a:solidFill>
+                        <a:effectLst/>
+                        <a:latin typeface="Aptos Narrow" panose="020B0004020202020204" pitchFamily="34" charset="0"/>
+                      </a:endParaRPr>
+                    </a:p>
+                  </a:txBody>
+                  <a:tcPr marL="8554" marT="8554" marB="0" anchor="b">
+                    <a:solidFill>
+                      <a:schemeClr val="bg1"/>
+                    </a:solidFill>
+                  </a:tcPr>
+                </a:tc>
+                <a:tc>
+                  <a:txBody>
+                    <a:bodyPr/>
+                    <a:lstStyle/>
+                    <a:p>
+                      <a:pPr algn="r" fontAlgn="b"/>
+                      <a:r>
+                        <a:rPr lang="en-US" sz="1100" u="none" strike="noStrike" dirty="0">
+                          <a:effectLst/>
+                        </a:rPr>
+                        <a:t>759</a:t>
+                      </a:r>
+                      <a:endParaRPr lang="en-US" sz="1100" b="0" i="0" u="none" strike="noStrike" dirty="0">
+                        <a:solidFill>
+                          <a:srgbClr val="000000"/>
+                        </a:solidFill>
+                        <a:effectLst/>
+                        <a:latin typeface="Aptos Narrow" panose="020B0004020202020204" pitchFamily="34" charset="0"/>
+                      </a:endParaRPr>
+                    </a:p>
+                  </a:txBody>
+                  <a:tcPr marL="8554" marT="8554" marB="0" anchor="b">
+                    <a:solidFill>
+                      <a:schemeClr val="bg1"/>
+                    </a:solidFill>
+                  </a:tcPr>
+                </a:tc>
+                <a:tc>
+                  <a:txBody>
+                    <a:bodyPr/>
+                    <a:lstStyle/>
+                    <a:p>
+                      <a:pPr algn="r" fontAlgn="b"/>
+                      <a:r>
+                        <a:rPr lang="en-US" sz="1100" u="none" strike="noStrike" dirty="0">
+                          <a:effectLst/>
+                        </a:rPr>
+                        <a:t>1542</a:t>
+                      </a:r>
+                      <a:endParaRPr lang="en-US" sz="1100" b="0" i="0" u="none" strike="noStrike" dirty="0">
+                        <a:solidFill>
+                          <a:srgbClr val="000000"/>
+                        </a:solidFill>
+                        <a:effectLst/>
+                        <a:latin typeface="Aptos Narrow" panose="020B0004020202020204" pitchFamily="34" charset="0"/>
+                      </a:endParaRPr>
+                    </a:p>
+                  </a:txBody>
+                  <a:tcPr marL="8554" marT="8554" marB="0" anchor="b">
+                    <a:solidFill>
+                      <a:schemeClr val="bg1"/>
+                    </a:solidFill>
+                  </a:tcPr>
+                </a:tc>
+                <a:tc>
+                  <a:txBody>
+                    <a:bodyPr/>
+                    <a:lstStyle/>
+                    <a:p>
+                      <a:pPr algn="r" fontAlgn="b"/>
+                      <a:r>
+                        <a:rPr lang="en-US" sz="1100" u="none" strike="noStrike" dirty="0">
+                          <a:effectLst/>
+                        </a:rPr>
+                        <a:t>769</a:t>
+                      </a:r>
+                      <a:endParaRPr lang="en-US" sz="1100" b="0" i="0" u="none" strike="noStrike" dirty="0">
+                        <a:solidFill>
+                          <a:srgbClr val="000000"/>
+                        </a:solidFill>
+                        <a:effectLst/>
+                        <a:latin typeface="Aptos Narrow" panose="020B0004020202020204" pitchFamily="34" charset="0"/>
+                      </a:endParaRPr>
+                    </a:p>
+                  </a:txBody>
+                  <a:tcPr marL="8554" marT="8554" marB="0" anchor="b">
+                    <a:solidFill>
+                      <a:schemeClr val="bg1"/>
+                    </a:solidFill>
+                  </a:tcPr>
+                </a:tc>
+                <a:extLst>
+                  <a:ext uri="{0D108BD9-81ED-4DB2-BD59-A6C34878D82A}">
+                    <a16:rowId xmlns:a16="http://schemas.microsoft.com/office/drawing/2014/main" val="1478431960"/>
+                  </a:ext>
+                </a:extLst>
+              </a:tr>
+              <a:tr h="182483">
+                <a:tc>
+                  <a:txBody>
+                    <a:bodyPr/>
+                    <a:lstStyle/>
+                    <a:p>
+                      <a:pPr algn="r" fontAlgn="b"/>
+                      <a:r>
+                        <a:rPr lang="en-US" sz="1100" b="1" i="0" u="none" strike="noStrike" dirty="0">
+                          <a:solidFill>
+                            <a:srgbClr val="000000"/>
+                          </a:solidFill>
+                          <a:effectLst/>
+                          <a:latin typeface="Aptos Narrow" panose="020B0004020202020204" pitchFamily="34" charset="0"/>
+                        </a:rPr>
+                        <a:t>2</a:t>
+                      </a:r>
+                    </a:p>
+                  </a:txBody>
+                  <a:tcPr marL="8554" marR="137160" marT="8554" marB="0" anchor="b">
+                    <a:solidFill>
+                      <a:schemeClr val="bg1">
+                        <a:lumMod val="85000"/>
+                      </a:schemeClr>
+                    </a:solidFill>
+                  </a:tcPr>
+                </a:tc>
+                <a:tc>
+                  <a:txBody>
+                    <a:bodyPr/>
+                    <a:lstStyle/>
+                    <a:p>
+                      <a:pPr algn="r" fontAlgn="b"/>
+                      <a:r>
+                        <a:rPr lang="en-US" sz="1100" u="none" strike="noStrike" dirty="0">
+                          <a:effectLst/>
+                        </a:rPr>
+                        <a:t>1067</a:t>
+                      </a:r>
+                      <a:endParaRPr lang="en-US" sz="1100" b="0" i="0" u="none" strike="noStrike" dirty="0">
+                        <a:solidFill>
+                          <a:srgbClr val="000000"/>
+                        </a:solidFill>
+                        <a:effectLst/>
+                        <a:latin typeface="Aptos Narrow" panose="020B0004020202020204" pitchFamily="34" charset="0"/>
+                      </a:endParaRPr>
+                    </a:p>
+                  </a:txBody>
+                  <a:tcPr marL="8554" marT="8554" marB="0" anchor="b">
+                    <a:solidFill>
+                      <a:schemeClr val="bg1">
+                        <a:lumMod val="85000"/>
+                      </a:schemeClr>
+                    </a:solidFill>
+                  </a:tcPr>
+                </a:tc>
+                <a:tc>
+                  <a:txBody>
+                    <a:bodyPr/>
+                    <a:lstStyle/>
+                    <a:p>
+                      <a:pPr algn="r" fontAlgn="b"/>
+                      <a:r>
+                        <a:rPr lang="en-US" sz="1100" u="none" strike="noStrike" dirty="0">
+                          <a:effectLst/>
+                        </a:rPr>
+                        <a:t>466</a:t>
+                      </a:r>
+                      <a:endParaRPr lang="en-US" sz="1100" b="0" i="0" u="none" strike="noStrike" dirty="0">
+                        <a:solidFill>
+                          <a:srgbClr val="000000"/>
+                        </a:solidFill>
+                        <a:effectLst/>
+                        <a:latin typeface="Aptos Narrow" panose="020B0004020202020204" pitchFamily="34" charset="0"/>
+                      </a:endParaRPr>
+                    </a:p>
+                  </a:txBody>
+                  <a:tcPr marL="8554" marT="8554" marB="0" anchor="b">
+                    <a:solidFill>
+                      <a:schemeClr val="bg1">
+                        <a:lumMod val="85000"/>
+                      </a:schemeClr>
+                    </a:solidFill>
+                  </a:tcPr>
+                </a:tc>
+                <a:tc>
+                  <a:txBody>
+                    <a:bodyPr/>
+                    <a:lstStyle/>
+                    <a:p>
+                      <a:pPr algn="r" fontAlgn="b"/>
+                      <a:r>
+                        <a:rPr lang="en-US" sz="1100" u="none" strike="noStrike" dirty="0">
+                          <a:effectLst/>
+                        </a:rPr>
+                        <a:t>1047</a:t>
+                      </a:r>
+                      <a:endParaRPr lang="en-US" sz="1100" b="0" i="0" u="none" strike="noStrike" dirty="0">
+                        <a:solidFill>
+                          <a:srgbClr val="000000"/>
+                        </a:solidFill>
+                        <a:effectLst/>
+                        <a:latin typeface="Aptos Narrow" panose="020B0004020202020204" pitchFamily="34" charset="0"/>
+                      </a:endParaRPr>
+                    </a:p>
+                  </a:txBody>
+                  <a:tcPr marL="8554" marT="8554" marB="0" anchor="b">
+                    <a:solidFill>
+                      <a:schemeClr val="bg1">
+                        <a:lumMod val="85000"/>
+                      </a:schemeClr>
+                    </a:solidFill>
+                  </a:tcPr>
+                </a:tc>
+                <a:tc>
+                  <a:txBody>
+                    <a:bodyPr/>
+                    <a:lstStyle/>
+                    <a:p>
+                      <a:pPr algn="r" fontAlgn="b"/>
+                      <a:r>
+                        <a:rPr lang="en-US" sz="1100" u="none" strike="noStrike" dirty="0">
+                          <a:effectLst/>
+                        </a:rPr>
+                        <a:t>683</a:t>
+                      </a:r>
+                      <a:endParaRPr lang="en-US" sz="1100" b="0" i="0" u="none" strike="noStrike" dirty="0">
+                        <a:solidFill>
+                          <a:srgbClr val="000000"/>
+                        </a:solidFill>
+                        <a:effectLst/>
+                        <a:latin typeface="Aptos Narrow" panose="020B0004020202020204" pitchFamily="34" charset="0"/>
+                      </a:endParaRPr>
+                    </a:p>
+                  </a:txBody>
+                  <a:tcPr marL="8554" marT="8554" marB="0" anchor="b">
+                    <a:solidFill>
+                      <a:schemeClr val="bg1">
+                        <a:lumMod val="85000"/>
+                      </a:schemeClr>
+                    </a:solidFill>
+                  </a:tcPr>
+                </a:tc>
+                <a:extLst>
+                  <a:ext uri="{0D108BD9-81ED-4DB2-BD59-A6C34878D82A}">
+                    <a16:rowId xmlns:a16="http://schemas.microsoft.com/office/drawing/2014/main" val="3447978286"/>
+                  </a:ext>
+                </a:extLst>
+              </a:tr>
+              <a:tr h="182483">
+                <a:tc>
+                  <a:txBody>
+                    <a:bodyPr/>
+                    <a:lstStyle/>
+                    <a:p>
+                      <a:pPr algn="r" fontAlgn="b"/>
+                      <a:r>
+                        <a:rPr lang="en-US" sz="1100" b="1" i="0" u="none" strike="noStrike" dirty="0">
+                          <a:solidFill>
+                            <a:srgbClr val="000000"/>
+                          </a:solidFill>
+                          <a:effectLst/>
+                          <a:latin typeface="Aptos Narrow" panose="020B0004020202020204" pitchFamily="34" charset="0"/>
+                        </a:rPr>
+                        <a:t>3</a:t>
+                      </a:r>
+                    </a:p>
+                  </a:txBody>
+                  <a:tcPr marL="8554" marR="137160" marT="8554" marB="0" anchor="b">
+                    <a:solidFill>
+                      <a:schemeClr val="bg1"/>
+                    </a:solidFill>
+                  </a:tcPr>
+                </a:tc>
+                <a:tc>
+                  <a:txBody>
+                    <a:bodyPr/>
+                    <a:lstStyle/>
+                    <a:p>
+                      <a:pPr algn="r" fontAlgn="b"/>
+                      <a:r>
+                        <a:rPr lang="en-US" sz="1100" u="none" strike="noStrike" dirty="0">
+                          <a:effectLst/>
+                        </a:rPr>
+                        <a:t>247</a:t>
+                      </a:r>
+                      <a:endParaRPr lang="en-US" sz="1100" b="0" i="0" u="none" strike="noStrike" dirty="0">
+                        <a:solidFill>
+                          <a:srgbClr val="000000"/>
+                        </a:solidFill>
+                        <a:effectLst/>
+                        <a:latin typeface="Aptos Narrow" panose="020B0004020202020204" pitchFamily="34" charset="0"/>
+                      </a:endParaRPr>
+                    </a:p>
+                  </a:txBody>
+                  <a:tcPr marL="8554" marT="8554" marB="0" anchor="b">
+                    <a:solidFill>
+                      <a:schemeClr val="bg1"/>
+                    </a:solidFill>
+                  </a:tcPr>
+                </a:tc>
+                <a:tc>
+                  <a:txBody>
+                    <a:bodyPr/>
+                    <a:lstStyle/>
+                    <a:p>
+                      <a:pPr algn="r" fontAlgn="b"/>
+                      <a:r>
+                        <a:rPr lang="en-US" sz="1100" u="none" strike="noStrike" dirty="0">
+                          <a:effectLst/>
+                        </a:rPr>
+                        <a:t>630</a:t>
+                      </a:r>
+                      <a:endParaRPr lang="en-US" sz="1100" b="0" i="0" u="none" strike="noStrike" dirty="0">
+                        <a:solidFill>
+                          <a:srgbClr val="000000"/>
+                        </a:solidFill>
+                        <a:effectLst/>
+                        <a:latin typeface="Aptos Narrow" panose="020B0004020202020204" pitchFamily="34" charset="0"/>
+                      </a:endParaRPr>
+                    </a:p>
+                  </a:txBody>
+                  <a:tcPr marL="8554" marT="8554" marB="0" anchor="b">
+                    <a:solidFill>
+                      <a:schemeClr val="bg1"/>
+                    </a:solidFill>
+                  </a:tcPr>
+                </a:tc>
+                <a:tc>
+                  <a:txBody>
+                    <a:bodyPr/>
+                    <a:lstStyle/>
+                    <a:p>
+                      <a:pPr algn="r" fontAlgn="b"/>
+                      <a:r>
+                        <a:rPr lang="en-US" sz="1100" u="none" strike="noStrike" dirty="0">
+                          <a:effectLst/>
+                        </a:rPr>
+                        <a:t>155</a:t>
+                      </a:r>
+                      <a:endParaRPr lang="en-US" sz="1100" b="0" i="0" u="none" strike="noStrike" dirty="0">
+                        <a:solidFill>
+                          <a:srgbClr val="000000"/>
+                        </a:solidFill>
+                        <a:effectLst/>
+                        <a:latin typeface="Aptos Narrow" panose="020B0004020202020204" pitchFamily="34" charset="0"/>
+                      </a:endParaRPr>
+                    </a:p>
+                  </a:txBody>
+                  <a:tcPr marL="8554" marT="8554" marB="0" anchor="b">
+                    <a:solidFill>
+                      <a:schemeClr val="bg1"/>
+                    </a:solidFill>
+                  </a:tcPr>
+                </a:tc>
+                <a:tc>
+                  <a:txBody>
+                    <a:bodyPr/>
+                    <a:lstStyle/>
+                    <a:p>
+                      <a:pPr algn="r" fontAlgn="b"/>
+                      <a:r>
+                        <a:rPr lang="en-US" sz="1100" u="none" strike="noStrike" dirty="0">
+                          <a:effectLst/>
+                        </a:rPr>
+                        <a:t>1737</a:t>
+                      </a:r>
+                      <a:endParaRPr lang="en-US" sz="1100" b="0" i="0" u="none" strike="noStrike" dirty="0">
+                        <a:solidFill>
+                          <a:srgbClr val="000000"/>
+                        </a:solidFill>
+                        <a:effectLst/>
+                        <a:latin typeface="Aptos Narrow" panose="020B0004020202020204" pitchFamily="34" charset="0"/>
+                      </a:endParaRPr>
+                    </a:p>
+                  </a:txBody>
+                  <a:tcPr marL="8554" marT="8554" marB="0" anchor="b">
+                    <a:solidFill>
+                      <a:schemeClr val="bg1"/>
+                    </a:solidFill>
+                  </a:tcPr>
+                </a:tc>
+                <a:extLst>
+                  <a:ext uri="{0D108BD9-81ED-4DB2-BD59-A6C34878D82A}">
+                    <a16:rowId xmlns:a16="http://schemas.microsoft.com/office/drawing/2014/main" val="283762965"/>
+                  </a:ext>
+                </a:extLst>
+              </a:tr>
+              <a:tr h="182483">
+                <a:tc>
+                  <a:txBody>
+                    <a:bodyPr/>
+                    <a:lstStyle/>
+                    <a:p>
+                      <a:pPr algn="r" fontAlgn="b"/>
+                      <a:r>
+                        <a:rPr lang="en-US" sz="1100" b="1" i="0" u="none" strike="noStrike" dirty="0">
+                          <a:solidFill>
+                            <a:srgbClr val="000000"/>
+                          </a:solidFill>
+                          <a:effectLst/>
+                          <a:latin typeface="Aptos Narrow" panose="020B0004020202020204" pitchFamily="34" charset="0"/>
+                        </a:rPr>
+                        <a:t>4</a:t>
+                      </a:r>
+                    </a:p>
+                  </a:txBody>
+                  <a:tcPr marL="8554" marR="137160" marT="8554" marB="0" anchor="b">
+                    <a:solidFill>
+                      <a:schemeClr val="bg1">
+                        <a:lumMod val="85000"/>
+                      </a:schemeClr>
+                    </a:solidFill>
+                  </a:tcPr>
+                </a:tc>
+                <a:tc>
+                  <a:txBody>
+                    <a:bodyPr/>
+                    <a:lstStyle/>
+                    <a:p>
+                      <a:pPr algn="r" fontAlgn="b"/>
+                      <a:r>
+                        <a:rPr lang="en-US" sz="1100" u="none" strike="noStrike" dirty="0">
+                          <a:effectLst/>
+                        </a:rPr>
+                        <a:t>163</a:t>
+                      </a:r>
+                      <a:endParaRPr lang="en-US" sz="1100" b="0" i="0" u="none" strike="noStrike" dirty="0">
+                        <a:solidFill>
+                          <a:srgbClr val="000000"/>
+                        </a:solidFill>
+                        <a:effectLst/>
+                        <a:latin typeface="Aptos Narrow" panose="020B0004020202020204" pitchFamily="34" charset="0"/>
+                      </a:endParaRPr>
+                    </a:p>
+                  </a:txBody>
+                  <a:tcPr marL="8554" marT="8554" marB="0" anchor="b">
+                    <a:solidFill>
+                      <a:schemeClr val="bg1">
+                        <a:lumMod val="85000"/>
+                      </a:schemeClr>
+                    </a:solidFill>
+                  </a:tcPr>
+                </a:tc>
+                <a:tc>
+                  <a:txBody>
+                    <a:bodyPr/>
+                    <a:lstStyle/>
+                    <a:p>
+                      <a:pPr algn="r" fontAlgn="b"/>
+                      <a:r>
+                        <a:rPr lang="en-US" sz="1100" u="none" strike="noStrike" dirty="0">
+                          <a:effectLst/>
+                        </a:rPr>
+                        <a:t>237</a:t>
+                      </a:r>
+                      <a:endParaRPr lang="en-US" sz="1100" b="0" i="0" u="none" strike="noStrike" dirty="0">
+                        <a:solidFill>
+                          <a:srgbClr val="000000"/>
+                        </a:solidFill>
+                        <a:effectLst/>
+                        <a:latin typeface="Aptos Narrow" panose="020B0004020202020204" pitchFamily="34" charset="0"/>
+                      </a:endParaRPr>
+                    </a:p>
+                  </a:txBody>
+                  <a:tcPr marL="8554" marT="8554" marB="0" anchor="b">
+                    <a:solidFill>
+                      <a:schemeClr val="bg1">
+                        <a:lumMod val="85000"/>
+                      </a:schemeClr>
+                    </a:solidFill>
+                  </a:tcPr>
+                </a:tc>
+                <a:tc>
+                  <a:txBody>
+                    <a:bodyPr/>
+                    <a:lstStyle/>
+                    <a:p>
+                      <a:pPr algn="r" fontAlgn="b"/>
+                      <a:r>
+                        <a:rPr lang="en-US" sz="1100" u="none" strike="noStrike" dirty="0">
+                          <a:effectLst/>
+                        </a:rPr>
+                        <a:t>740</a:t>
+                      </a:r>
+                      <a:endParaRPr lang="en-US" sz="1100" b="0" i="0" u="none" strike="noStrike" dirty="0">
+                        <a:solidFill>
+                          <a:srgbClr val="000000"/>
+                        </a:solidFill>
+                        <a:effectLst/>
+                        <a:latin typeface="Aptos Narrow" panose="020B0004020202020204" pitchFamily="34" charset="0"/>
+                      </a:endParaRPr>
+                    </a:p>
+                  </a:txBody>
+                  <a:tcPr marL="8554" marT="8554" marB="0" anchor="b">
+                    <a:solidFill>
+                      <a:schemeClr val="bg1">
+                        <a:lumMod val="85000"/>
+                      </a:schemeClr>
+                    </a:solidFill>
+                  </a:tcPr>
+                </a:tc>
+                <a:tc>
+                  <a:txBody>
+                    <a:bodyPr/>
+                    <a:lstStyle/>
+                    <a:p>
+                      <a:pPr algn="r" fontAlgn="b"/>
+                      <a:r>
+                        <a:rPr lang="en-US" sz="1100" u="none" strike="noStrike" dirty="0">
+                          <a:effectLst/>
+                        </a:rPr>
+                        <a:t>988</a:t>
+                      </a:r>
+                      <a:endParaRPr lang="en-US" sz="1100" b="0" i="0" u="none" strike="noStrike" dirty="0">
+                        <a:solidFill>
+                          <a:srgbClr val="000000"/>
+                        </a:solidFill>
+                        <a:effectLst/>
+                        <a:latin typeface="Aptos Narrow" panose="020B0004020202020204" pitchFamily="34" charset="0"/>
+                      </a:endParaRPr>
+                    </a:p>
+                  </a:txBody>
+                  <a:tcPr marL="8554" marT="8554" marB="0" anchor="b">
+                    <a:solidFill>
+                      <a:schemeClr val="bg1">
+                        <a:lumMod val="85000"/>
+                      </a:schemeClr>
+                    </a:solidFill>
+                  </a:tcPr>
+                </a:tc>
+                <a:extLst>
+                  <a:ext uri="{0D108BD9-81ED-4DB2-BD59-A6C34878D82A}">
+                    <a16:rowId xmlns:a16="http://schemas.microsoft.com/office/drawing/2014/main" val="1178964932"/>
+                  </a:ext>
+                </a:extLst>
+              </a:tr>
+              <a:tr h="182483">
+                <a:tc>
+                  <a:txBody>
+                    <a:bodyPr/>
+                    <a:lstStyle/>
+                    <a:p>
+                      <a:pPr algn="r" fontAlgn="b"/>
+                      <a:r>
+                        <a:rPr lang="en-US" sz="1100" b="1" i="0" u="none" strike="noStrike" dirty="0">
+                          <a:solidFill>
+                            <a:srgbClr val="000000"/>
+                          </a:solidFill>
+                          <a:effectLst/>
+                          <a:latin typeface="Aptos Narrow" panose="020B0004020202020204" pitchFamily="34" charset="0"/>
+                        </a:rPr>
+                        <a:t>5</a:t>
+                      </a:r>
+                    </a:p>
+                  </a:txBody>
+                  <a:tcPr marL="8554" marR="137160" marT="8554" marB="0" anchor="b">
+                    <a:solidFill>
+                      <a:schemeClr val="bg1"/>
+                    </a:solidFill>
+                  </a:tcPr>
+                </a:tc>
+                <a:tc>
+                  <a:txBody>
+                    <a:bodyPr/>
+                    <a:lstStyle/>
+                    <a:p>
+                      <a:pPr algn="r" fontAlgn="b"/>
+                      <a:r>
+                        <a:rPr lang="en-US" sz="1100" u="none" strike="noStrike" dirty="0">
+                          <a:effectLst/>
+                        </a:rPr>
+                        <a:t>499</a:t>
+                      </a:r>
+                      <a:endParaRPr lang="en-US" sz="1100" b="0" i="0" u="none" strike="noStrike" dirty="0">
+                        <a:solidFill>
+                          <a:srgbClr val="000000"/>
+                        </a:solidFill>
+                        <a:effectLst/>
+                        <a:latin typeface="Aptos Narrow" panose="020B0004020202020204" pitchFamily="34" charset="0"/>
+                      </a:endParaRPr>
+                    </a:p>
+                  </a:txBody>
+                  <a:tcPr marL="8554" marT="8554" marB="0" anchor="b">
+                    <a:solidFill>
+                      <a:schemeClr val="bg1"/>
+                    </a:solidFill>
+                  </a:tcPr>
+                </a:tc>
+                <a:tc>
+                  <a:txBody>
+                    <a:bodyPr/>
+                    <a:lstStyle/>
+                    <a:p>
+                      <a:pPr algn="r" fontAlgn="b"/>
+                      <a:r>
+                        <a:rPr lang="en-US" sz="1100" u="none" strike="noStrike" dirty="0">
+                          <a:effectLst/>
+                        </a:rPr>
+                        <a:t>340</a:t>
+                      </a:r>
+                      <a:endParaRPr lang="en-US" sz="1100" b="0" i="0" u="none" strike="noStrike" dirty="0">
+                        <a:solidFill>
+                          <a:srgbClr val="000000"/>
+                        </a:solidFill>
+                        <a:effectLst/>
+                        <a:latin typeface="Aptos Narrow" panose="020B0004020202020204" pitchFamily="34" charset="0"/>
+                      </a:endParaRPr>
+                    </a:p>
+                  </a:txBody>
+                  <a:tcPr marL="8554" marT="8554" marB="0" anchor="b">
+                    <a:solidFill>
+                      <a:schemeClr val="bg1"/>
+                    </a:solidFill>
+                  </a:tcPr>
+                </a:tc>
+                <a:tc>
+                  <a:txBody>
+                    <a:bodyPr/>
+                    <a:lstStyle/>
+                    <a:p>
+                      <a:pPr algn="r" fontAlgn="b"/>
+                      <a:r>
+                        <a:rPr lang="en-US" sz="1100" u="none" strike="noStrike" dirty="0">
+                          <a:effectLst/>
+                        </a:rPr>
+                        <a:t>594</a:t>
+                      </a:r>
+                      <a:endParaRPr lang="en-US" sz="1100" b="0" i="0" u="none" strike="noStrike" dirty="0">
+                        <a:solidFill>
+                          <a:srgbClr val="000000"/>
+                        </a:solidFill>
+                        <a:effectLst/>
+                        <a:latin typeface="Aptos Narrow" panose="020B0004020202020204" pitchFamily="34" charset="0"/>
+                      </a:endParaRPr>
+                    </a:p>
+                  </a:txBody>
+                  <a:tcPr marL="8554" marT="8554" marB="0" anchor="b">
+                    <a:solidFill>
+                      <a:schemeClr val="bg1"/>
+                    </a:solidFill>
+                  </a:tcPr>
+                </a:tc>
+                <a:tc>
+                  <a:txBody>
+                    <a:bodyPr/>
+                    <a:lstStyle/>
+                    <a:p>
+                      <a:pPr algn="r" fontAlgn="b"/>
+                      <a:r>
+                        <a:rPr lang="en-US" sz="1100" u="none" strike="noStrike" dirty="0">
+                          <a:effectLst/>
+                        </a:rPr>
+                        <a:t>392</a:t>
+                      </a:r>
+                      <a:endParaRPr lang="en-US" sz="1100" b="0" i="0" u="none" strike="noStrike" dirty="0">
+                        <a:solidFill>
+                          <a:srgbClr val="000000"/>
+                        </a:solidFill>
+                        <a:effectLst/>
+                        <a:latin typeface="Aptos Narrow" panose="020B0004020202020204" pitchFamily="34" charset="0"/>
+                      </a:endParaRPr>
+                    </a:p>
+                  </a:txBody>
+                  <a:tcPr marL="8554" marT="8554" marB="0" anchor="b">
+                    <a:solidFill>
+                      <a:schemeClr val="bg1"/>
+                    </a:solidFill>
+                  </a:tcPr>
+                </a:tc>
+                <a:extLst>
+                  <a:ext uri="{0D108BD9-81ED-4DB2-BD59-A6C34878D82A}">
+                    <a16:rowId xmlns:a16="http://schemas.microsoft.com/office/drawing/2014/main" val="3197464786"/>
+                  </a:ext>
+                </a:extLst>
+              </a:tr>
+              <a:tr h="182483">
+                <a:tc>
+                  <a:txBody>
+                    <a:bodyPr/>
+                    <a:lstStyle/>
+                    <a:p>
+                      <a:pPr algn="r" fontAlgn="b"/>
+                      <a:r>
+                        <a:rPr lang="en-US" sz="1100" b="1" i="0" u="none" strike="noStrike" dirty="0">
+                          <a:solidFill>
+                            <a:srgbClr val="000000"/>
+                          </a:solidFill>
+                          <a:effectLst/>
+                          <a:latin typeface="Aptos Narrow" panose="020B0004020202020204" pitchFamily="34" charset="0"/>
+                        </a:rPr>
+                        <a:t>6</a:t>
+                      </a:r>
+                    </a:p>
+                  </a:txBody>
+                  <a:tcPr marL="8554" marR="137160" marT="8554" marB="0" anchor="b">
+                    <a:solidFill>
+                      <a:schemeClr val="bg1">
+                        <a:lumMod val="85000"/>
+                      </a:schemeClr>
+                    </a:solidFill>
+                  </a:tcPr>
+                </a:tc>
+                <a:tc>
+                  <a:txBody>
+                    <a:bodyPr/>
+                    <a:lstStyle/>
+                    <a:p>
+                      <a:pPr algn="r" fontAlgn="b"/>
+                      <a:r>
+                        <a:rPr lang="en-US" sz="1100" u="none" strike="noStrike" dirty="0">
+                          <a:effectLst/>
+                        </a:rPr>
+                        <a:t>407</a:t>
+                      </a:r>
+                      <a:endParaRPr lang="en-US" sz="1100" b="0" i="0" u="none" strike="noStrike" dirty="0">
+                        <a:solidFill>
+                          <a:srgbClr val="000000"/>
+                        </a:solidFill>
+                        <a:effectLst/>
+                        <a:latin typeface="Aptos Narrow" panose="020B0004020202020204" pitchFamily="34" charset="0"/>
+                      </a:endParaRPr>
+                    </a:p>
+                  </a:txBody>
+                  <a:tcPr marL="8554" marT="8554" marB="0" anchor="b">
+                    <a:solidFill>
+                      <a:schemeClr val="bg1">
+                        <a:lumMod val="85000"/>
+                      </a:schemeClr>
+                    </a:solidFill>
+                  </a:tcPr>
+                </a:tc>
+                <a:tc>
+                  <a:txBody>
+                    <a:bodyPr/>
+                    <a:lstStyle/>
+                    <a:p>
+                      <a:pPr algn="r" fontAlgn="b"/>
+                      <a:r>
+                        <a:rPr lang="en-US" sz="1100" u="none" strike="noStrike" dirty="0">
+                          <a:effectLst/>
+                        </a:rPr>
+                        <a:t>459</a:t>
+                      </a:r>
+                      <a:endParaRPr lang="en-US" sz="1100" b="0" i="0" u="none" strike="noStrike" dirty="0">
+                        <a:solidFill>
+                          <a:srgbClr val="000000"/>
+                        </a:solidFill>
+                        <a:effectLst/>
+                        <a:latin typeface="Aptos Narrow" panose="020B0004020202020204" pitchFamily="34" charset="0"/>
+                      </a:endParaRPr>
+                    </a:p>
+                  </a:txBody>
+                  <a:tcPr marL="8554" marT="8554" marB="0" anchor="b">
+                    <a:solidFill>
+                      <a:schemeClr val="bg1">
+                        <a:lumMod val="85000"/>
+                      </a:schemeClr>
+                    </a:solidFill>
+                  </a:tcPr>
+                </a:tc>
+                <a:tc>
+                  <a:txBody>
+                    <a:bodyPr/>
+                    <a:lstStyle/>
+                    <a:p>
+                      <a:pPr algn="r" fontAlgn="b"/>
+                      <a:r>
+                        <a:rPr lang="en-US" sz="1100" u="none" strike="noStrike" dirty="0">
+                          <a:effectLst/>
+                        </a:rPr>
+                        <a:t>259</a:t>
+                      </a:r>
+                      <a:endParaRPr lang="en-US" sz="1100" b="0" i="0" u="none" strike="noStrike" dirty="0">
+                        <a:solidFill>
+                          <a:srgbClr val="000000"/>
+                        </a:solidFill>
+                        <a:effectLst/>
+                        <a:latin typeface="Aptos Narrow" panose="020B0004020202020204" pitchFamily="34" charset="0"/>
+                      </a:endParaRPr>
+                    </a:p>
+                  </a:txBody>
+                  <a:tcPr marL="8554" marT="8554" marB="0" anchor="b">
+                    <a:solidFill>
+                      <a:schemeClr val="bg1">
+                        <a:lumMod val="85000"/>
+                      </a:schemeClr>
+                    </a:solidFill>
+                  </a:tcPr>
+                </a:tc>
+                <a:tc>
+                  <a:txBody>
+                    <a:bodyPr/>
+                    <a:lstStyle/>
+                    <a:p>
+                      <a:pPr algn="r" fontAlgn="b"/>
+                      <a:r>
+                        <a:rPr lang="en-US" sz="1100" u="none" strike="noStrike" dirty="0">
+                          <a:effectLst/>
+                        </a:rPr>
+                        <a:t>648</a:t>
+                      </a:r>
+                      <a:endParaRPr lang="en-US" sz="1100" b="0" i="0" u="none" strike="noStrike" dirty="0">
+                        <a:solidFill>
+                          <a:srgbClr val="000000"/>
+                        </a:solidFill>
+                        <a:effectLst/>
+                        <a:latin typeface="Aptos Narrow" panose="020B0004020202020204" pitchFamily="34" charset="0"/>
+                      </a:endParaRPr>
+                    </a:p>
+                  </a:txBody>
+                  <a:tcPr marL="8554" marT="8554" marB="0" anchor="b">
+                    <a:solidFill>
+                      <a:schemeClr val="bg1">
+                        <a:lumMod val="85000"/>
+                      </a:schemeClr>
+                    </a:solidFill>
+                  </a:tcPr>
+                </a:tc>
+                <a:extLst>
+                  <a:ext uri="{0D108BD9-81ED-4DB2-BD59-A6C34878D82A}">
+                    <a16:rowId xmlns:a16="http://schemas.microsoft.com/office/drawing/2014/main" val="4189008731"/>
+                  </a:ext>
+                </a:extLst>
+              </a:tr>
+              <a:tr h="182483">
+                <a:tc>
+                  <a:txBody>
+                    <a:bodyPr/>
+                    <a:lstStyle/>
+                    <a:p>
+                      <a:pPr algn="r" fontAlgn="b"/>
+                      <a:r>
+                        <a:rPr lang="en-US" sz="1100" b="1" i="0" u="none" strike="noStrike" dirty="0">
+                          <a:solidFill>
+                            <a:srgbClr val="000000"/>
+                          </a:solidFill>
+                          <a:effectLst/>
+                          <a:latin typeface="Aptos Narrow" panose="020B0004020202020204" pitchFamily="34" charset="0"/>
+                        </a:rPr>
+                        <a:t>7</a:t>
+                      </a:r>
+                    </a:p>
+                  </a:txBody>
+                  <a:tcPr marL="8554" marR="137160" marT="8554" marB="0" anchor="b">
+                    <a:solidFill>
+                      <a:schemeClr val="bg1"/>
+                    </a:solidFill>
+                  </a:tcPr>
+                </a:tc>
+                <a:tc>
+                  <a:txBody>
+                    <a:bodyPr/>
+                    <a:lstStyle/>
+                    <a:p>
+                      <a:pPr algn="r" fontAlgn="b"/>
+                      <a:r>
+                        <a:rPr lang="en-US" sz="1100" u="none" strike="noStrike" dirty="0">
+                          <a:effectLst/>
+                        </a:rPr>
+                        <a:t>863</a:t>
+                      </a:r>
+                      <a:endParaRPr lang="en-US" sz="1100" b="0" i="0" u="none" strike="noStrike" dirty="0">
+                        <a:solidFill>
+                          <a:srgbClr val="000000"/>
+                        </a:solidFill>
+                        <a:effectLst/>
+                        <a:latin typeface="Aptos Narrow" panose="020B0004020202020204" pitchFamily="34" charset="0"/>
+                      </a:endParaRPr>
+                    </a:p>
+                  </a:txBody>
+                  <a:tcPr marL="8554" marT="8554" marB="0" anchor="b">
+                    <a:solidFill>
+                      <a:schemeClr val="bg1"/>
+                    </a:solidFill>
+                  </a:tcPr>
+                </a:tc>
+                <a:tc>
+                  <a:txBody>
+                    <a:bodyPr/>
+                    <a:lstStyle/>
+                    <a:p>
+                      <a:pPr algn="r" fontAlgn="b"/>
+                      <a:r>
+                        <a:rPr lang="en-US" sz="1100" u="none" strike="noStrike" dirty="0">
+                          <a:effectLst/>
+                        </a:rPr>
+                        <a:t>100</a:t>
+                      </a:r>
+                      <a:endParaRPr lang="en-US" sz="1100" b="0" i="0" u="none" strike="noStrike" dirty="0">
+                        <a:solidFill>
+                          <a:srgbClr val="000000"/>
+                        </a:solidFill>
+                        <a:effectLst/>
+                        <a:latin typeface="Aptos Narrow" panose="020B0004020202020204" pitchFamily="34" charset="0"/>
+                      </a:endParaRPr>
+                    </a:p>
+                  </a:txBody>
+                  <a:tcPr marL="8554" marT="8554" marB="0" anchor="b">
+                    <a:solidFill>
+                      <a:schemeClr val="bg1"/>
+                    </a:solidFill>
+                  </a:tcPr>
+                </a:tc>
+                <a:tc>
+                  <a:txBody>
+                    <a:bodyPr/>
+                    <a:lstStyle/>
+                    <a:p>
+                      <a:pPr algn="r" fontAlgn="b"/>
+                      <a:r>
+                        <a:rPr lang="en-US" sz="1100" u="none" strike="noStrike" dirty="0">
+                          <a:effectLst/>
+                        </a:rPr>
+                        <a:t>461</a:t>
+                      </a:r>
+                      <a:endParaRPr lang="en-US" sz="1100" b="0" i="0" u="none" strike="noStrike" dirty="0">
+                        <a:solidFill>
+                          <a:srgbClr val="000000"/>
+                        </a:solidFill>
+                        <a:effectLst/>
+                        <a:latin typeface="Aptos Narrow" panose="020B0004020202020204" pitchFamily="34" charset="0"/>
+                      </a:endParaRPr>
+                    </a:p>
+                  </a:txBody>
+                  <a:tcPr marL="8554" marT="8554" marB="0" anchor="b">
+                    <a:solidFill>
+                      <a:schemeClr val="bg1"/>
+                    </a:solidFill>
+                  </a:tcPr>
+                </a:tc>
+                <a:tc>
+                  <a:txBody>
+                    <a:bodyPr/>
+                    <a:lstStyle/>
+                    <a:p>
+                      <a:pPr algn="r" fontAlgn="b"/>
+                      <a:r>
+                        <a:rPr lang="en-US" sz="1100" u="none" strike="noStrike" dirty="0">
+                          <a:effectLst/>
+                        </a:rPr>
+                        <a:t>185</a:t>
+                      </a:r>
+                      <a:endParaRPr lang="en-US" sz="1100" b="0" i="0" u="none" strike="noStrike" dirty="0">
+                        <a:solidFill>
+                          <a:srgbClr val="000000"/>
+                        </a:solidFill>
+                        <a:effectLst/>
+                        <a:latin typeface="Aptos Narrow" panose="020B0004020202020204" pitchFamily="34" charset="0"/>
+                      </a:endParaRPr>
+                    </a:p>
+                  </a:txBody>
+                  <a:tcPr marL="8554" marT="8554" marB="0" anchor="b">
+                    <a:solidFill>
+                      <a:schemeClr val="bg1"/>
+                    </a:solidFill>
+                  </a:tcPr>
+                </a:tc>
+                <a:extLst>
+                  <a:ext uri="{0D108BD9-81ED-4DB2-BD59-A6C34878D82A}">
+                    <a16:rowId xmlns:a16="http://schemas.microsoft.com/office/drawing/2014/main" val="2253764196"/>
+                  </a:ext>
+                </a:extLst>
+              </a:tr>
+              <a:tr h="182483">
+                <a:tc>
+                  <a:txBody>
+                    <a:bodyPr/>
+                    <a:lstStyle/>
+                    <a:p>
+                      <a:pPr algn="r" fontAlgn="b"/>
+                      <a:r>
+                        <a:rPr lang="en-US" sz="1100" b="1" i="0" u="none" strike="noStrike" dirty="0">
+                          <a:solidFill>
+                            <a:srgbClr val="000000"/>
+                          </a:solidFill>
+                          <a:effectLst/>
+                          <a:latin typeface="Aptos Narrow" panose="020B0004020202020204" pitchFamily="34" charset="0"/>
+                        </a:rPr>
+                        <a:t>8</a:t>
+                      </a:r>
+                    </a:p>
+                  </a:txBody>
+                  <a:tcPr marL="8554" marR="137160" marT="8554" marB="0" anchor="b">
+                    <a:solidFill>
+                      <a:schemeClr val="bg1">
+                        <a:lumMod val="85000"/>
+                      </a:schemeClr>
+                    </a:solidFill>
+                  </a:tcPr>
+                </a:tc>
+                <a:tc>
+                  <a:txBody>
+                    <a:bodyPr/>
+                    <a:lstStyle/>
+                    <a:p>
+                      <a:pPr algn="r" fontAlgn="b"/>
+                      <a:r>
+                        <a:rPr lang="en-US" sz="1100" u="none" strike="noStrike" dirty="0">
+                          <a:effectLst/>
+                        </a:rPr>
+                        <a:t>823</a:t>
+                      </a:r>
+                      <a:endParaRPr lang="en-US" sz="1100" b="0" i="0" u="none" strike="noStrike" dirty="0">
+                        <a:solidFill>
+                          <a:srgbClr val="000000"/>
+                        </a:solidFill>
+                        <a:effectLst/>
+                        <a:latin typeface="Aptos Narrow" panose="020B0004020202020204" pitchFamily="34" charset="0"/>
+                      </a:endParaRPr>
+                    </a:p>
+                  </a:txBody>
+                  <a:tcPr marL="8554" marT="8554" marB="0" anchor="b">
+                    <a:solidFill>
+                      <a:schemeClr val="bg1">
+                        <a:lumMod val="85000"/>
+                      </a:schemeClr>
+                    </a:solidFill>
+                  </a:tcPr>
+                </a:tc>
+                <a:tc>
+                  <a:txBody>
+                    <a:bodyPr/>
+                    <a:lstStyle/>
+                    <a:p>
+                      <a:pPr algn="r" fontAlgn="b"/>
+                      <a:r>
+                        <a:rPr lang="en-US" sz="1100" u="none" strike="noStrike" dirty="0">
+                          <a:effectLst/>
+                        </a:rPr>
+                        <a:t>139</a:t>
+                      </a:r>
+                      <a:endParaRPr lang="en-US" sz="1100" b="0" i="0" u="none" strike="noStrike" dirty="0">
+                        <a:solidFill>
+                          <a:srgbClr val="000000"/>
+                        </a:solidFill>
+                        <a:effectLst/>
+                        <a:latin typeface="Aptos Narrow" panose="020B0004020202020204" pitchFamily="34" charset="0"/>
+                      </a:endParaRPr>
+                    </a:p>
+                  </a:txBody>
+                  <a:tcPr marL="8554" marT="8554" marB="0" anchor="b">
+                    <a:solidFill>
+                      <a:schemeClr val="bg1">
+                        <a:lumMod val="85000"/>
+                      </a:schemeClr>
+                    </a:solidFill>
+                  </a:tcPr>
+                </a:tc>
+                <a:tc>
+                  <a:txBody>
+                    <a:bodyPr/>
+                    <a:lstStyle/>
+                    <a:p>
+                      <a:pPr algn="r" fontAlgn="b"/>
+                      <a:r>
+                        <a:rPr lang="en-US" sz="1100" u="none" strike="noStrike" dirty="0">
+                          <a:effectLst/>
+                        </a:rPr>
+                        <a:t>393</a:t>
+                      </a:r>
+                      <a:endParaRPr lang="en-US" sz="1100" b="0" i="0" u="none" strike="noStrike" dirty="0">
+                        <a:solidFill>
+                          <a:srgbClr val="000000"/>
+                        </a:solidFill>
+                        <a:effectLst/>
+                        <a:latin typeface="Aptos Narrow" panose="020B0004020202020204" pitchFamily="34" charset="0"/>
+                      </a:endParaRPr>
+                    </a:p>
+                  </a:txBody>
+                  <a:tcPr marL="8554" marT="8554" marB="0" anchor="b">
+                    <a:solidFill>
+                      <a:schemeClr val="bg1">
+                        <a:lumMod val="85000"/>
+                      </a:schemeClr>
+                    </a:solidFill>
+                  </a:tcPr>
+                </a:tc>
+                <a:tc>
+                  <a:txBody>
+                    <a:bodyPr/>
+                    <a:lstStyle/>
+                    <a:p>
+                      <a:pPr algn="r" fontAlgn="b"/>
+                      <a:r>
+                        <a:rPr lang="en-US" sz="1100" u="none" strike="noStrike" dirty="0">
+                          <a:effectLst/>
+                        </a:rPr>
+                        <a:t>209</a:t>
+                      </a:r>
+                      <a:endParaRPr lang="en-US" sz="1100" b="0" i="0" u="none" strike="noStrike" dirty="0">
+                        <a:solidFill>
+                          <a:srgbClr val="000000"/>
+                        </a:solidFill>
+                        <a:effectLst/>
+                        <a:latin typeface="Aptos Narrow" panose="020B0004020202020204" pitchFamily="34" charset="0"/>
+                      </a:endParaRPr>
+                    </a:p>
+                  </a:txBody>
+                  <a:tcPr marL="8554" marT="8554" marB="0" anchor="b">
+                    <a:solidFill>
+                      <a:schemeClr val="bg1">
+                        <a:lumMod val="85000"/>
+                      </a:schemeClr>
+                    </a:solidFill>
+                  </a:tcPr>
+                </a:tc>
+                <a:extLst>
+                  <a:ext uri="{0D108BD9-81ED-4DB2-BD59-A6C34878D82A}">
+                    <a16:rowId xmlns:a16="http://schemas.microsoft.com/office/drawing/2014/main" val="407200606"/>
+                  </a:ext>
+                </a:extLst>
+              </a:tr>
+              <a:tr h="182483">
+                <a:tc>
+                  <a:txBody>
+                    <a:bodyPr/>
+                    <a:lstStyle/>
+                    <a:p>
+                      <a:pPr algn="r" fontAlgn="b"/>
+                      <a:r>
+                        <a:rPr lang="en-US" sz="1100" b="1" i="0" u="none" strike="noStrike" dirty="0">
+                          <a:solidFill>
+                            <a:srgbClr val="000000"/>
+                          </a:solidFill>
+                          <a:effectLst/>
+                          <a:latin typeface="Aptos Narrow" panose="020B0004020202020204" pitchFamily="34" charset="0"/>
+                        </a:rPr>
+                        <a:t>9</a:t>
+                      </a:r>
+                    </a:p>
+                  </a:txBody>
+                  <a:tcPr marL="8554" marR="137160" marT="8554" marB="0" anchor="b">
+                    <a:solidFill>
+                      <a:schemeClr val="bg1"/>
+                    </a:solidFill>
+                  </a:tcPr>
+                </a:tc>
+                <a:tc>
+                  <a:txBody>
+                    <a:bodyPr/>
+                    <a:lstStyle/>
+                    <a:p>
+                      <a:pPr algn="r" fontAlgn="b"/>
+                      <a:r>
+                        <a:rPr lang="en-US" sz="1100" u="none" strike="noStrike" dirty="0">
+                          <a:effectLst/>
+                        </a:rPr>
+                        <a:t>380</a:t>
+                      </a:r>
+                      <a:endParaRPr lang="en-US" sz="1100" b="0" i="0" u="none" strike="noStrike" dirty="0">
+                        <a:solidFill>
+                          <a:srgbClr val="000000"/>
+                        </a:solidFill>
+                        <a:effectLst/>
+                        <a:latin typeface="Aptos Narrow" panose="020B0004020202020204" pitchFamily="34" charset="0"/>
+                      </a:endParaRPr>
+                    </a:p>
+                  </a:txBody>
+                  <a:tcPr marL="8554" marT="8554" marB="0" anchor="b">
+                    <a:solidFill>
+                      <a:schemeClr val="bg1"/>
+                    </a:solidFill>
+                  </a:tcPr>
+                </a:tc>
+                <a:tc>
+                  <a:txBody>
+                    <a:bodyPr/>
+                    <a:lstStyle/>
+                    <a:p>
+                      <a:pPr algn="r" fontAlgn="b"/>
+                      <a:r>
+                        <a:rPr lang="en-US" sz="1100" u="none" strike="noStrike" dirty="0">
+                          <a:effectLst/>
+                        </a:rPr>
+                        <a:t>429</a:t>
+                      </a:r>
+                      <a:endParaRPr lang="en-US" sz="1100" b="0" i="0" u="none" strike="noStrike" dirty="0">
+                        <a:solidFill>
+                          <a:srgbClr val="000000"/>
+                        </a:solidFill>
+                        <a:effectLst/>
+                        <a:latin typeface="Aptos Narrow" panose="020B0004020202020204" pitchFamily="34" charset="0"/>
+                      </a:endParaRPr>
+                    </a:p>
+                  </a:txBody>
+                  <a:tcPr marL="8554" marT="8554" marB="0" anchor="b">
+                    <a:solidFill>
+                      <a:schemeClr val="bg1"/>
+                    </a:solidFill>
+                  </a:tcPr>
+                </a:tc>
+                <a:tc>
+                  <a:txBody>
+                    <a:bodyPr/>
+                    <a:lstStyle/>
+                    <a:p>
+                      <a:pPr algn="r" fontAlgn="b"/>
+                      <a:r>
+                        <a:rPr lang="en-US" sz="1100" u="none" strike="noStrike" dirty="0">
+                          <a:effectLst/>
+                        </a:rPr>
+                        <a:t>253</a:t>
+                      </a:r>
+                      <a:endParaRPr lang="en-US" sz="1100" b="0" i="0" u="none" strike="noStrike" dirty="0">
+                        <a:solidFill>
+                          <a:srgbClr val="000000"/>
+                        </a:solidFill>
+                        <a:effectLst/>
+                        <a:latin typeface="Aptos Narrow" panose="020B0004020202020204" pitchFamily="34" charset="0"/>
+                      </a:endParaRPr>
+                    </a:p>
+                  </a:txBody>
+                  <a:tcPr marL="8554" marT="8554" marB="0" anchor="b">
+                    <a:solidFill>
+                      <a:schemeClr val="bg1"/>
+                    </a:solidFill>
+                  </a:tcPr>
+                </a:tc>
+                <a:tc>
+                  <a:txBody>
+                    <a:bodyPr/>
+                    <a:lstStyle/>
+                    <a:p>
+                      <a:pPr algn="r" fontAlgn="b"/>
+                      <a:r>
+                        <a:rPr lang="en-US" sz="1100" u="none" strike="noStrike" dirty="0">
+                          <a:effectLst/>
+                        </a:rPr>
+                        <a:t>394</a:t>
+                      </a:r>
+                      <a:endParaRPr lang="en-US" sz="1100" b="0" i="0" u="none" strike="noStrike" dirty="0">
+                        <a:solidFill>
+                          <a:srgbClr val="000000"/>
+                        </a:solidFill>
+                        <a:effectLst/>
+                        <a:latin typeface="Aptos Narrow" panose="020B0004020202020204" pitchFamily="34" charset="0"/>
+                      </a:endParaRPr>
+                    </a:p>
+                  </a:txBody>
+                  <a:tcPr marL="8554" marT="8554" marB="0" anchor="b">
+                    <a:solidFill>
+                      <a:schemeClr val="bg1"/>
+                    </a:solidFill>
+                  </a:tcPr>
+                </a:tc>
+                <a:extLst>
+                  <a:ext uri="{0D108BD9-81ED-4DB2-BD59-A6C34878D82A}">
+                    <a16:rowId xmlns:a16="http://schemas.microsoft.com/office/drawing/2014/main" val="690445751"/>
+                  </a:ext>
+                </a:extLst>
+              </a:tr>
+              <a:tr h="182483">
+                <a:tc>
+                  <a:txBody>
+                    <a:bodyPr/>
+                    <a:lstStyle/>
+                    <a:p>
+                      <a:pPr algn="r" fontAlgn="b"/>
+                      <a:r>
+                        <a:rPr lang="en-US" sz="1100" b="1" i="0" u="none" strike="noStrike" dirty="0">
+                          <a:solidFill>
+                            <a:srgbClr val="000000"/>
+                          </a:solidFill>
+                          <a:effectLst/>
+                          <a:latin typeface="Aptos Narrow" panose="020B0004020202020204" pitchFamily="34" charset="0"/>
+                        </a:rPr>
+                        <a:t>10</a:t>
+                      </a:r>
+                    </a:p>
+                  </a:txBody>
+                  <a:tcPr marL="8554" marR="137160" marT="8554" marB="0" anchor="b">
+                    <a:solidFill>
+                      <a:schemeClr val="bg1">
+                        <a:lumMod val="85000"/>
+                      </a:schemeClr>
+                    </a:solidFill>
+                  </a:tcPr>
+                </a:tc>
+                <a:tc>
+                  <a:txBody>
+                    <a:bodyPr/>
+                    <a:lstStyle/>
+                    <a:p>
+                      <a:pPr algn="r" fontAlgn="b"/>
+                      <a:r>
+                        <a:rPr lang="en-US" sz="1100" u="none" strike="noStrike" dirty="0">
+                          <a:effectLst/>
+                        </a:rPr>
+                        <a:t>713</a:t>
+                      </a:r>
+                      <a:endParaRPr lang="en-US" sz="1100" b="0" i="0" u="none" strike="noStrike" dirty="0">
+                        <a:solidFill>
+                          <a:srgbClr val="000000"/>
+                        </a:solidFill>
+                        <a:effectLst/>
+                        <a:latin typeface="Aptos Narrow" panose="020B0004020202020204" pitchFamily="34" charset="0"/>
+                      </a:endParaRPr>
+                    </a:p>
+                  </a:txBody>
+                  <a:tcPr marL="8554" marT="8554" marB="0" anchor="b">
+                    <a:solidFill>
+                      <a:schemeClr val="bg1">
+                        <a:lumMod val="85000"/>
+                      </a:schemeClr>
+                    </a:solidFill>
+                  </a:tcPr>
+                </a:tc>
+                <a:tc>
+                  <a:txBody>
+                    <a:bodyPr/>
+                    <a:lstStyle/>
+                    <a:p>
+                      <a:pPr algn="r" fontAlgn="b"/>
+                      <a:r>
+                        <a:rPr lang="en-US" sz="1100" u="none" strike="noStrike" dirty="0">
+                          <a:effectLst/>
+                        </a:rPr>
+                        <a:t>128</a:t>
+                      </a:r>
+                      <a:endParaRPr lang="en-US" sz="1100" b="0" i="0" u="none" strike="noStrike" dirty="0">
+                        <a:solidFill>
+                          <a:srgbClr val="000000"/>
+                        </a:solidFill>
+                        <a:effectLst/>
+                        <a:latin typeface="Aptos Narrow" panose="020B0004020202020204" pitchFamily="34" charset="0"/>
+                      </a:endParaRPr>
+                    </a:p>
+                  </a:txBody>
+                  <a:tcPr marL="8554" marT="8554" marB="0" anchor="b">
+                    <a:solidFill>
+                      <a:schemeClr val="bg1">
+                        <a:lumMod val="85000"/>
+                      </a:schemeClr>
+                    </a:solidFill>
+                  </a:tcPr>
+                </a:tc>
+                <a:tc>
+                  <a:txBody>
+                    <a:bodyPr/>
+                    <a:lstStyle/>
+                    <a:p>
+                      <a:pPr algn="r" fontAlgn="b"/>
+                      <a:r>
+                        <a:rPr lang="en-US" sz="1100" u="none" strike="noStrike" dirty="0">
+                          <a:effectLst/>
+                        </a:rPr>
+                        <a:t>257</a:t>
+                      </a:r>
+                      <a:endParaRPr lang="en-US" sz="1100" b="0" i="0" u="none" strike="noStrike" dirty="0">
+                        <a:solidFill>
+                          <a:srgbClr val="000000"/>
+                        </a:solidFill>
+                        <a:effectLst/>
+                        <a:latin typeface="Aptos Narrow" panose="020B0004020202020204" pitchFamily="34" charset="0"/>
+                      </a:endParaRPr>
+                    </a:p>
+                  </a:txBody>
+                  <a:tcPr marL="8554" marT="8554" marB="0" anchor="b">
+                    <a:solidFill>
+                      <a:schemeClr val="bg1">
+                        <a:lumMod val="85000"/>
+                      </a:schemeClr>
+                    </a:solidFill>
+                  </a:tcPr>
+                </a:tc>
+                <a:tc>
+                  <a:txBody>
+                    <a:bodyPr/>
+                    <a:lstStyle/>
+                    <a:p>
+                      <a:pPr algn="r" fontAlgn="b"/>
+                      <a:r>
+                        <a:rPr lang="en-US" sz="1100" u="none" strike="noStrike" dirty="0">
+                          <a:effectLst/>
+                        </a:rPr>
+                        <a:t>146</a:t>
+                      </a:r>
+                      <a:endParaRPr lang="en-US" sz="1100" b="0" i="0" u="none" strike="noStrike" dirty="0">
+                        <a:solidFill>
+                          <a:srgbClr val="000000"/>
+                        </a:solidFill>
+                        <a:effectLst/>
+                        <a:latin typeface="Aptos Narrow" panose="020B0004020202020204" pitchFamily="34" charset="0"/>
+                      </a:endParaRPr>
+                    </a:p>
+                  </a:txBody>
+                  <a:tcPr marL="8554" marT="8554" marB="0" anchor="b">
+                    <a:solidFill>
+                      <a:schemeClr val="bg1">
+                        <a:lumMod val="85000"/>
+                      </a:schemeClr>
+                    </a:solidFill>
+                  </a:tcPr>
+                </a:tc>
+                <a:extLst>
+                  <a:ext uri="{0D108BD9-81ED-4DB2-BD59-A6C34878D82A}">
+                    <a16:rowId xmlns:a16="http://schemas.microsoft.com/office/drawing/2014/main" val="180939811"/>
+                  </a:ext>
+                </a:extLst>
+              </a:tr>
+              <a:tr h="182483">
+                <a:tc>
+                  <a:txBody>
+                    <a:bodyPr/>
+                    <a:lstStyle/>
+                    <a:p>
+                      <a:pPr algn="r" fontAlgn="b"/>
+                      <a:r>
+                        <a:rPr lang="en-US" sz="1100" b="1" i="0" u="none" strike="noStrike" dirty="0">
+                          <a:solidFill>
+                            <a:srgbClr val="000000"/>
+                          </a:solidFill>
+                          <a:effectLst/>
+                          <a:latin typeface="Aptos Narrow" panose="020B0004020202020204" pitchFamily="34" charset="0"/>
+                        </a:rPr>
+                        <a:t>11</a:t>
+                      </a:r>
+                    </a:p>
+                  </a:txBody>
+                  <a:tcPr marL="8554" marR="137160" marT="8554" marB="0" anchor="b">
+                    <a:solidFill>
+                      <a:schemeClr val="bg1"/>
+                    </a:solidFill>
+                  </a:tcPr>
+                </a:tc>
+                <a:tc>
+                  <a:txBody>
+                    <a:bodyPr/>
+                    <a:lstStyle/>
+                    <a:p>
+                      <a:pPr algn="r" fontAlgn="b"/>
+                      <a:r>
+                        <a:rPr lang="en-US" sz="1100" u="none" strike="noStrike" dirty="0">
+                          <a:effectLst/>
+                        </a:rPr>
+                        <a:t>187</a:t>
+                      </a:r>
+                      <a:endParaRPr lang="en-US" sz="1100" b="0" i="0" u="none" strike="noStrike" dirty="0">
+                        <a:solidFill>
+                          <a:srgbClr val="000000"/>
+                        </a:solidFill>
+                        <a:effectLst/>
+                        <a:latin typeface="Aptos Narrow" panose="020B0004020202020204" pitchFamily="34" charset="0"/>
+                      </a:endParaRPr>
+                    </a:p>
+                  </a:txBody>
+                  <a:tcPr marL="8554" marT="8554" marB="0" anchor="b">
+                    <a:solidFill>
+                      <a:schemeClr val="bg1"/>
+                    </a:solidFill>
+                  </a:tcPr>
+                </a:tc>
+                <a:tc>
+                  <a:txBody>
+                    <a:bodyPr/>
+                    <a:lstStyle/>
+                    <a:p>
+                      <a:pPr algn="r" fontAlgn="b"/>
+                      <a:r>
+                        <a:rPr lang="en-US" sz="1100" u="none" strike="noStrike" dirty="0">
+                          <a:effectLst/>
+                        </a:rPr>
+                        <a:t>69</a:t>
+                      </a:r>
+                      <a:endParaRPr lang="en-US" sz="1100" b="0" i="0" u="none" strike="noStrike" dirty="0">
+                        <a:solidFill>
+                          <a:srgbClr val="000000"/>
+                        </a:solidFill>
+                        <a:effectLst/>
+                        <a:latin typeface="Aptos Narrow" panose="020B0004020202020204" pitchFamily="34" charset="0"/>
+                      </a:endParaRPr>
+                    </a:p>
+                  </a:txBody>
+                  <a:tcPr marL="8554" marT="8554" marB="0" anchor="b">
+                    <a:solidFill>
+                      <a:schemeClr val="bg1"/>
+                    </a:solidFill>
+                  </a:tcPr>
+                </a:tc>
+                <a:tc>
+                  <a:txBody>
+                    <a:bodyPr/>
+                    <a:lstStyle/>
+                    <a:p>
+                      <a:pPr algn="r" fontAlgn="b"/>
+                      <a:r>
+                        <a:rPr lang="en-US" sz="1100" u="none" strike="noStrike" dirty="0">
+                          <a:effectLst/>
+                        </a:rPr>
+                        <a:t>363</a:t>
+                      </a:r>
+                      <a:endParaRPr lang="en-US" sz="1100" b="0" i="0" u="none" strike="noStrike" dirty="0">
+                        <a:solidFill>
+                          <a:srgbClr val="000000"/>
+                        </a:solidFill>
+                        <a:effectLst/>
+                        <a:latin typeface="Aptos Narrow" panose="020B0004020202020204" pitchFamily="34" charset="0"/>
+                      </a:endParaRPr>
+                    </a:p>
+                  </a:txBody>
+                  <a:tcPr marL="8554" marT="8554" marB="0" anchor="b">
+                    <a:solidFill>
+                      <a:schemeClr val="bg1"/>
+                    </a:solidFill>
+                  </a:tcPr>
+                </a:tc>
+                <a:tc>
+                  <a:txBody>
+                    <a:bodyPr/>
+                    <a:lstStyle/>
+                    <a:p>
+                      <a:pPr algn="r" fontAlgn="b"/>
+                      <a:r>
+                        <a:rPr lang="en-US" sz="1100" u="none" strike="noStrike" dirty="0">
+                          <a:effectLst/>
+                        </a:rPr>
+                        <a:t>329</a:t>
+                      </a:r>
+                      <a:endParaRPr lang="en-US" sz="1100" b="0" i="0" u="none" strike="noStrike" dirty="0">
+                        <a:solidFill>
+                          <a:srgbClr val="000000"/>
+                        </a:solidFill>
+                        <a:effectLst/>
+                        <a:latin typeface="Aptos Narrow" panose="020B0004020202020204" pitchFamily="34" charset="0"/>
+                      </a:endParaRPr>
+                    </a:p>
+                  </a:txBody>
+                  <a:tcPr marL="8554" marT="8554" marB="0" anchor="b">
+                    <a:solidFill>
+                      <a:schemeClr val="bg1"/>
+                    </a:solidFill>
+                  </a:tcPr>
+                </a:tc>
+                <a:extLst>
+                  <a:ext uri="{0D108BD9-81ED-4DB2-BD59-A6C34878D82A}">
+                    <a16:rowId xmlns:a16="http://schemas.microsoft.com/office/drawing/2014/main" val="4156453077"/>
+                  </a:ext>
+                </a:extLst>
+              </a:tr>
+              <a:tr h="182483">
+                <a:tc>
+                  <a:txBody>
+                    <a:bodyPr/>
+                    <a:lstStyle/>
+                    <a:p>
+                      <a:pPr algn="r" fontAlgn="b"/>
+                      <a:r>
+                        <a:rPr lang="en-US" sz="1100" b="1" i="0" u="none" strike="noStrike" dirty="0">
+                          <a:solidFill>
+                            <a:srgbClr val="000000"/>
+                          </a:solidFill>
+                          <a:effectLst/>
+                          <a:latin typeface="Aptos Narrow" panose="020B0004020202020204" pitchFamily="34" charset="0"/>
+                        </a:rPr>
+                        <a:t>12</a:t>
+                      </a:r>
+                    </a:p>
+                  </a:txBody>
+                  <a:tcPr marL="8554" marR="137160" marT="8554" marB="0" anchor="b">
+                    <a:solidFill>
+                      <a:schemeClr val="bg1">
+                        <a:lumMod val="85000"/>
+                      </a:schemeClr>
+                    </a:solidFill>
+                  </a:tcPr>
+                </a:tc>
+                <a:tc>
+                  <a:txBody>
+                    <a:bodyPr/>
+                    <a:lstStyle/>
+                    <a:p>
+                      <a:pPr algn="r" fontAlgn="b"/>
+                      <a:r>
+                        <a:rPr lang="en-US" sz="1100" u="none" strike="noStrike" dirty="0">
+                          <a:effectLst/>
+                        </a:rPr>
+                        <a:t>33</a:t>
+                      </a:r>
+                      <a:endParaRPr lang="en-US" sz="1100" b="0" i="0" u="none" strike="noStrike" dirty="0">
+                        <a:solidFill>
+                          <a:srgbClr val="000000"/>
+                        </a:solidFill>
+                        <a:effectLst/>
+                        <a:latin typeface="Aptos Narrow" panose="020B0004020202020204" pitchFamily="34" charset="0"/>
+                      </a:endParaRPr>
+                    </a:p>
+                  </a:txBody>
+                  <a:tcPr marL="8554" marT="8554" marB="0" anchor="b">
+                    <a:solidFill>
+                      <a:schemeClr val="bg1">
+                        <a:lumMod val="85000"/>
+                      </a:schemeClr>
+                    </a:solidFill>
+                  </a:tcPr>
+                </a:tc>
+                <a:tc>
+                  <a:txBody>
+                    <a:bodyPr/>
+                    <a:lstStyle/>
+                    <a:p>
+                      <a:pPr algn="r" fontAlgn="b"/>
+                      <a:r>
+                        <a:rPr lang="en-US" sz="1100" u="none" strike="noStrike" dirty="0">
+                          <a:effectLst/>
+                        </a:rPr>
+                        <a:t>410</a:t>
+                      </a:r>
+                      <a:endParaRPr lang="en-US" sz="1100" b="0" i="0" u="none" strike="noStrike" dirty="0">
+                        <a:solidFill>
+                          <a:srgbClr val="000000"/>
+                        </a:solidFill>
+                        <a:effectLst/>
+                        <a:latin typeface="Aptos Narrow" panose="020B0004020202020204" pitchFamily="34" charset="0"/>
+                      </a:endParaRPr>
+                    </a:p>
+                  </a:txBody>
+                  <a:tcPr marL="8554" marT="8554" marB="0" anchor="b">
+                    <a:solidFill>
+                      <a:schemeClr val="bg1">
+                        <a:lumMod val="85000"/>
+                      </a:schemeClr>
+                    </a:solidFill>
+                  </a:tcPr>
+                </a:tc>
+                <a:tc>
+                  <a:txBody>
+                    <a:bodyPr/>
+                    <a:lstStyle/>
+                    <a:p>
+                      <a:pPr algn="r" fontAlgn="b"/>
+                      <a:r>
+                        <a:rPr lang="en-US" sz="1100" u="none" strike="noStrike" dirty="0">
+                          <a:effectLst/>
+                        </a:rPr>
+                        <a:t>21</a:t>
+                      </a:r>
+                      <a:endParaRPr lang="en-US" sz="1100" b="0" i="0" u="none" strike="noStrike" dirty="0">
+                        <a:solidFill>
+                          <a:srgbClr val="000000"/>
+                        </a:solidFill>
+                        <a:effectLst/>
+                        <a:latin typeface="Aptos Narrow" panose="020B0004020202020204" pitchFamily="34" charset="0"/>
+                      </a:endParaRPr>
+                    </a:p>
+                  </a:txBody>
+                  <a:tcPr marL="8554" marT="8554" marB="0" anchor="b">
+                    <a:solidFill>
+                      <a:schemeClr val="bg1">
+                        <a:lumMod val="85000"/>
+                      </a:schemeClr>
+                    </a:solidFill>
+                  </a:tcPr>
+                </a:tc>
+                <a:tc>
+                  <a:txBody>
+                    <a:bodyPr/>
+                    <a:lstStyle/>
+                    <a:p>
+                      <a:pPr algn="r" fontAlgn="b"/>
+                      <a:r>
+                        <a:rPr lang="en-US" sz="1100" u="none" strike="noStrike" dirty="0">
+                          <a:effectLst/>
+                        </a:rPr>
+                        <a:t>402</a:t>
+                      </a:r>
+                      <a:endParaRPr lang="en-US" sz="1100" b="0" i="0" u="none" strike="noStrike" dirty="0">
+                        <a:solidFill>
+                          <a:srgbClr val="000000"/>
+                        </a:solidFill>
+                        <a:effectLst/>
+                        <a:latin typeface="Aptos Narrow" panose="020B0004020202020204" pitchFamily="34" charset="0"/>
+                      </a:endParaRPr>
+                    </a:p>
+                  </a:txBody>
+                  <a:tcPr marL="8554" marT="8554" marB="0" anchor="b">
+                    <a:solidFill>
+                      <a:schemeClr val="bg1">
+                        <a:lumMod val="85000"/>
+                      </a:schemeClr>
+                    </a:solidFill>
+                  </a:tcPr>
+                </a:tc>
+                <a:extLst>
+                  <a:ext uri="{0D108BD9-81ED-4DB2-BD59-A6C34878D82A}">
+                    <a16:rowId xmlns:a16="http://schemas.microsoft.com/office/drawing/2014/main" val="1139825159"/>
+                  </a:ext>
+                </a:extLst>
+              </a:tr>
+              <a:tr h="182483">
+                <a:tc>
+                  <a:txBody>
+                    <a:bodyPr/>
+                    <a:lstStyle/>
+                    <a:p>
+                      <a:pPr algn="r" fontAlgn="b"/>
+                      <a:r>
+                        <a:rPr lang="en-US" sz="1100" b="1" i="0" u="none" strike="noStrike" dirty="0">
+                          <a:solidFill>
+                            <a:srgbClr val="000000"/>
+                          </a:solidFill>
+                          <a:effectLst/>
+                          <a:latin typeface="Aptos Narrow" panose="020B0004020202020204" pitchFamily="34" charset="0"/>
+                        </a:rPr>
+                        <a:t>13</a:t>
+                      </a:r>
+                    </a:p>
+                  </a:txBody>
+                  <a:tcPr marL="8554" marR="137160" marT="8554" marB="0" anchor="b">
+                    <a:solidFill>
+                      <a:schemeClr val="bg1"/>
+                    </a:solidFill>
+                  </a:tcPr>
+                </a:tc>
+                <a:tc>
+                  <a:txBody>
+                    <a:bodyPr/>
+                    <a:lstStyle/>
+                    <a:p>
+                      <a:pPr algn="r" fontAlgn="b"/>
+                      <a:r>
+                        <a:rPr lang="en-US" sz="1100" u="none" strike="noStrike" dirty="0">
+                          <a:effectLst/>
+                        </a:rPr>
+                        <a:t>140</a:t>
+                      </a:r>
+                      <a:endParaRPr lang="en-US" sz="1100" b="0" i="0" u="none" strike="noStrike" dirty="0">
+                        <a:solidFill>
+                          <a:srgbClr val="000000"/>
+                        </a:solidFill>
+                        <a:effectLst/>
+                        <a:latin typeface="Aptos Narrow" panose="020B0004020202020204" pitchFamily="34" charset="0"/>
+                      </a:endParaRPr>
+                    </a:p>
+                  </a:txBody>
+                  <a:tcPr marL="8554" marT="8554" marB="0" anchor="b">
+                    <a:solidFill>
+                      <a:schemeClr val="bg1"/>
+                    </a:solidFill>
+                  </a:tcPr>
+                </a:tc>
+                <a:tc>
+                  <a:txBody>
+                    <a:bodyPr/>
+                    <a:lstStyle/>
+                    <a:p>
+                      <a:pPr algn="r" fontAlgn="b"/>
+                      <a:r>
+                        <a:rPr lang="en-US" sz="1100" u="none" strike="noStrike" dirty="0">
+                          <a:effectLst/>
+                        </a:rPr>
+                        <a:t>69</a:t>
+                      </a:r>
+                      <a:endParaRPr lang="en-US" sz="1100" b="0" i="0" u="none" strike="noStrike" dirty="0">
+                        <a:solidFill>
+                          <a:srgbClr val="000000"/>
+                        </a:solidFill>
+                        <a:effectLst/>
+                        <a:latin typeface="Aptos Narrow" panose="020B0004020202020204" pitchFamily="34" charset="0"/>
+                      </a:endParaRPr>
+                    </a:p>
+                  </a:txBody>
+                  <a:tcPr marL="8554" marT="8554" marB="0" anchor="b">
+                    <a:solidFill>
+                      <a:schemeClr val="bg1"/>
+                    </a:solidFill>
+                  </a:tcPr>
+                </a:tc>
+                <a:tc>
+                  <a:txBody>
+                    <a:bodyPr/>
+                    <a:lstStyle/>
+                    <a:p>
+                      <a:pPr algn="r" fontAlgn="b"/>
+                      <a:r>
+                        <a:rPr lang="en-US" sz="1100" u="none" strike="noStrike" dirty="0">
+                          <a:effectLst/>
+                        </a:rPr>
+                        <a:t>270</a:t>
+                      </a:r>
+                      <a:endParaRPr lang="en-US" sz="1100" b="0" i="0" u="none" strike="noStrike" dirty="0">
+                        <a:solidFill>
+                          <a:srgbClr val="000000"/>
+                        </a:solidFill>
+                        <a:effectLst/>
+                        <a:latin typeface="Aptos Narrow" panose="020B0004020202020204" pitchFamily="34" charset="0"/>
+                      </a:endParaRPr>
+                    </a:p>
+                  </a:txBody>
+                  <a:tcPr marL="8554" marT="8554" marB="0" anchor="b">
+                    <a:solidFill>
+                      <a:schemeClr val="bg1"/>
+                    </a:solidFill>
+                  </a:tcPr>
+                </a:tc>
+                <a:tc>
+                  <a:txBody>
+                    <a:bodyPr/>
+                    <a:lstStyle/>
+                    <a:p>
+                      <a:pPr algn="r" fontAlgn="b"/>
+                      <a:r>
+                        <a:rPr lang="en-US" sz="1100" u="none" strike="noStrike" dirty="0">
+                          <a:effectLst/>
+                        </a:rPr>
+                        <a:t>366</a:t>
+                      </a:r>
+                      <a:endParaRPr lang="en-US" sz="1100" b="0" i="0" u="none" strike="noStrike" dirty="0">
+                        <a:solidFill>
+                          <a:srgbClr val="000000"/>
+                        </a:solidFill>
+                        <a:effectLst/>
+                        <a:latin typeface="Aptos Narrow" panose="020B0004020202020204" pitchFamily="34" charset="0"/>
+                      </a:endParaRPr>
+                    </a:p>
+                  </a:txBody>
+                  <a:tcPr marL="8554" marT="8554" marB="0" anchor="b">
+                    <a:solidFill>
+                      <a:schemeClr val="bg1"/>
+                    </a:solidFill>
+                  </a:tcPr>
+                </a:tc>
+                <a:extLst>
+                  <a:ext uri="{0D108BD9-81ED-4DB2-BD59-A6C34878D82A}">
+                    <a16:rowId xmlns:a16="http://schemas.microsoft.com/office/drawing/2014/main" val="2041283648"/>
+                  </a:ext>
+                </a:extLst>
+              </a:tr>
+              <a:tr h="182483">
+                <a:tc>
+                  <a:txBody>
+                    <a:bodyPr/>
+                    <a:lstStyle/>
+                    <a:p>
+                      <a:pPr algn="r" fontAlgn="b"/>
+                      <a:r>
+                        <a:rPr lang="en-US" sz="1100" b="1" i="0" u="none" strike="noStrike" dirty="0">
+                          <a:solidFill>
+                            <a:srgbClr val="000000"/>
+                          </a:solidFill>
+                          <a:effectLst/>
+                          <a:latin typeface="Aptos Narrow" panose="020B0004020202020204" pitchFamily="34" charset="0"/>
+                        </a:rPr>
+                        <a:t>14</a:t>
+                      </a:r>
+                    </a:p>
+                  </a:txBody>
+                  <a:tcPr marL="8554" marR="137160" marT="8554" marB="0" anchor="b">
+                    <a:solidFill>
+                      <a:schemeClr val="bg1">
+                        <a:lumMod val="85000"/>
+                      </a:schemeClr>
+                    </a:solidFill>
+                  </a:tcPr>
+                </a:tc>
+                <a:tc>
+                  <a:txBody>
+                    <a:bodyPr/>
+                    <a:lstStyle/>
+                    <a:p>
+                      <a:pPr algn="r" fontAlgn="b"/>
+                      <a:r>
+                        <a:rPr lang="en-US" sz="1100" u="none" strike="noStrike" dirty="0">
+                          <a:effectLst/>
+                        </a:rPr>
+                        <a:t>74</a:t>
+                      </a:r>
+                      <a:endParaRPr lang="en-US" sz="1100" b="0" i="0" u="none" strike="noStrike" dirty="0">
+                        <a:solidFill>
+                          <a:srgbClr val="000000"/>
+                        </a:solidFill>
+                        <a:effectLst/>
+                        <a:latin typeface="Aptos Narrow" panose="020B0004020202020204" pitchFamily="34" charset="0"/>
+                      </a:endParaRPr>
+                    </a:p>
+                  </a:txBody>
+                  <a:tcPr marL="8554" marT="8554" marB="0" anchor="b">
+                    <a:solidFill>
+                      <a:schemeClr val="bg1">
+                        <a:lumMod val="85000"/>
+                      </a:schemeClr>
+                    </a:solidFill>
+                  </a:tcPr>
+                </a:tc>
+                <a:tc>
+                  <a:txBody>
+                    <a:bodyPr/>
+                    <a:lstStyle/>
+                    <a:p>
+                      <a:pPr algn="r" fontAlgn="b"/>
+                      <a:r>
+                        <a:rPr lang="en-US" sz="1100" u="none" strike="noStrike" dirty="0">
+                          <a:effectLst/>
+                        </a:rPr>
+                        <a:t>39</a:t>
+                      </a:r>
+                      <a:endParaRPr lang="en-US" sz="1100" b="0" i="0" u="none" strike="noStrike" dirty="0">
+                        <a:solidFill>
+                          <a:srgbClr val="000000"/>
+                        </a:solidFill>
+                        <a:effectLst/>
+                        <a:latin typeface="Aptos Narrow" panose="020B0004020202020204" pitchFamily="34" charset="0"/>
+                      </a:endParaRPr>
+                    </a:p>
+                  </a:txBody>
+                  <a:tcPr marL="8554" marT="8554" marB="0" anchor="b">
+                    <a:solidFill>
+                      <a:schemeClr val="bg1">
+                        <a:lumMod val="85000"/>
+                      </a:schemeClr>
+                    </a:solidFill>
+                  </a:tcPr>
+                </a:tc>
+                <a:tc>
+                  <a:txBody>
+                    <a:bodyPr/>
+                    <a:lstStyle/>
+                    <a:p>
+                      <a:pPr algn="r" fontAlgn="b"/>
+                      <a:r>
+                        <a:rPr lang="en-US" sz="1100" u="none" strike="noStrike" dirty="0">
+                          <a:effectLst/>
+                        </a:rPr>
+                        <a:t>251</a:t>
+                      </a:r>
+                      <a:endParaRPr lang="en-US" sz="1100" b="0" i="0" u="none" strike="noStrike" dirty="0">
+                        <a:solidFill>
+                          <a:srgbClr val="000000"/>
+                        </a:solidFill>
+                        <a:effectLst/>
+                        <a:latin typeface="Aptos Narrow" panose="020B0004020202020204" pitchFamily="34" charset="0"/>
+                      </a:endParaRPr>
+                    </a:p>
+                  </a:txBody>
+                  <a:tcPr marL="8554" marT="8554" marB="0" anchor="b">
+                    <a:solidFill>
+                      <a:schemeClr val="bg1">
+                        <a:lumMod val="85000"/>
+                      </a:schemeClr>
+                    </a:solidFill>
+                  </a:tcPr>
+                </a:tc>
+                <a:tc>
+                  <a:txBody>
+                    <a:bodyPr/>
+                    <a:lstStyle/>
+                    <a:p>
+                      <a:pPr algn="r" fontAlgn="b"/>
+                      <a:r>
+                        <a:rPr lang="en-US" sz="1100" u="none" strike="noStrike" dirty="0">
+                          <a:effectLst/>
+                        </a:rPr>
+                        <a:t>288</a:t>
+                      </a:r>
+                      <a:endParaRPr lang="en-US" sz="1100" b="0" i="0" u="none" strike="noStrike" dirty="0">
+                        <a:solidFill>
+                          <a:srgbClr val="000000"/>
+                        </a:solidFill>
+                        <a:effectLst/>
+                        <a:latin typeface="Aptos Narrow" panose="020B0004020202020204" pitchFamily="34" charset="0"/>
+                      </a:endParaRPr>
+                    </a:p>
+                  </a:txBody>
+                  <a:tcPr marL="8554" marT="8554" marB="0" anchor="b">
+                    <a:solidFill>
+                      <a:schemeClr val="bg1">
+                        <a:lumMod val="85000"/>
+                      </a:schemeClr>
+                    </a:solidFill>
+                  </a:tcPr>
+                </a:tc>
+                <a:extLst>
+                  <a:ext uri="{0D108BD9-81ED-4DB2-BD59-A6C34878D82A}">
+                    <a16:rowId xmlns:a16="http://schemas.microsoft.com/office/drawing/2014/main" val="214010742"/>
+                  </a:ext>
+                </a:extLst>
+              </a:tr>
+              <a:tr h="182483">
+                <a:tc>
+                  <a:txBody>
+                    <a:bodyPr/>
+                    <a:lstStyle/>
+                    <a:p>
+                      <a:pPr algn="r" fontAlgn="b"/>
+                      <a:r>
+                        <a:rPr lang="en-US" sz="1100" b="1" i="0" u="none" strike="noStrike" dirty="0">
+                          <a:solidFill>
+                            <a:srgbClr val="000000"/>
+                          </a:solidFill>
+                          <a:effectLst/>
+                          <a:latin typeface="Aptos Narrow" panose="020B0004020202020204" pitchFamily="34" charset="0"/>
+                        </a:rPr>
+                        <a:t>15</a:t>
+                      </a:r>
+                    </a:p>
+                  </a:txBody>
+                  <a:tcPr marL="8554" marR="137160" marT="8554" marB="0" anchor="b">
+                    <a:solidFill>
+                      <a:schemeClr val="bg1"/>
+                    </a:solidFill>
+                  </a:tcPr>
+                </a:tc>
+                <a:tc>
+                  <a:txBody>
+                    <a:bodyPr/>
+                    <a:lstStyle/>
+                    <a:p>
+                      <a:pPr algn="r" fontAlgn="b"/>
+                      <a:r>
+                        <a:rPr lang="en-US" sz="1100" u="none" strike="noStrike" dirty="0">
+                          <a:effectLst/>
+                        </a:rPr>
+                        <a:t>49</a:t>
+                      </a:r>
+                      <a:endParaRPr lang="en-US" sz="1100" b="0" i="0" u="none" strike="noStrike" dirty="0">
+                        <a:solidFill>
+                          <a:srgbClr val="000000"/>
+                        </a:solidFill>
+                        <a:effectLst/>
+                        <a:latin typeface="Aptos Narrow" panose="020B0004020202020204" pitchFamily="34" charset="0"/>
+                      </a:endParaRPr>
+                    </a:p>
+                  </a:txBody>
+                  <a:tcPr marL="8554" marT="8554" marB="0" anchor="b">
+                    <a:solidFill>
+                      <a:schemeClr val="bg1"/>
+                    </a:solidFill>
+                  </a:tcPr>
+                </a:tc>
+                <a:tc>
+                  <a:txBody>
+                    <a:bodyPr/>
+                    <a:lstStyle/>
+                    <a:p>
+                      <a:pPr algn="r" fontAlgn="b"/>
+                      <a:r>
+                        <a:rPr lang="en-US" sz="1100" u="none" strike="noStrike" dirty="0">
+                          <a:effectLst/>
+                        </a:rPr>
+                        <a:t>46</a:t>
+                      </a:r>
+                      <a:endParaRPr lang="en-US" sz="1100" b="0" i="0" u="none" strike="noStrike" dirty="0">
+                        <a:solidFill>
+                          <a:srgbClr val="000000"/>
+                        </a:solidFill>
+                        <a:effectLst/>
+                        <a:latin typeface="Aptos Narrow" panose="020B0004020202020204" pitchFamily="34" charset="0"/>
+                      </a:endParaRPr>
+                    </a:p>
+                  </a:txBody>
+                  <a:tcPr marL="8554" marT="8554" marB="0" anchor="b">
+                    <a:solidFill>
+                      <a:schemeClr val="bg1"/>
+                    </a:solidFill>
+                  </a:tcPr>
+                </a:tc>
+                <a:tc>
+                  <a:txBody>
+                    <a:bodyPr/>
+                    <a:lstStyle/>
+                    <a:p>
+                      <a:pPr algn="r" fontAlgn="b"/>
+                      <a:r>
+                        <a:rPr lang="en-US" sz="1100" u="none" strike="noStrike" dirty="0">
+                          <a:effectLst/>
+                        </a:rPr>
+                        <a:t>178</a:t>
+                      </a:r>
+                      <a:endParaRPr lang="en-US" sz="1100" b="0" i="0" u="none" strike="noStrike" dirty="0">
+                        <a:solidFill>
+                          <a:srgbClr val="000000"/>
+                        </a:solidFill>
+                        <a:effectLst/>
+                        <a:latin typeface="Aptos Narrow" panose="020B0004020202020204" pitchFamily="34" charset="0"/>
+                      </a:endParaRPr>
+                    </a:p>
+                  </a:txBody>
+                  <a:tcPr marL="8554" marT="8554" marB="0" anchor="b">
+                    <a:solidFill>
+                      <a:schemeClr val="bg1"/>
+                    </a:solidFill>
+                  </a:tcPr>
+                </a:tc>
+                <a:tc>
+                  <a:txBody>
+                    <a:bodyPr/>
+                    <a:lstStyle/>
+                    <a:p>
+                      <a:pPr algn="r" fontAlgn="b"/>
+                      <a:r>
+                        <a:rPr lang="en-US" sz="1100" u="none" strike="noStrike" dirty="0">
+                          <a:effectLst/>
+                        </a:rPr>
+                        <a:t>172</a:t>
+                      </a:r>
+                      <a:endParaRPr lang="en-US" sz="1100" b="0" i="0" u="none" strike="noStrike" dirty="0">
+                        <a:solidFill>
+                          <a:srgbClr val="000000"/>
+                        </a:solidFill>
+                        <a:effectLst/>
+                        <a:latin typeface="Aptos Narrow" panose="020B0004020202020204" pitchFamily="34" charset="0"/>
+                      </a:endParaRPr>
+                    </a:p>
+                  </a:txBody>
+                  <a:tcPr marL="8554" marT="8554" marB="0" anchor="b">
+                    <a:solidFill>
+                      <a:schemeClr val="bg1"/>
+                    </a:solidFill>
+                  </a:tcPr>
+                </a:tc>
+                <a:extLst>
+                  <a:ext uri="{0D108BD9-81ED-4DB2-BD59-A6C34878D82A}">
+                    <a16:rowId xmlns:a16="http://schemas.microsoft.com/office/drawing/2014/main" val="2644476934"/>
+                  </a:ext>
+                </a:extLst>
+              </a:tr>
+              <a:tr h="182483">
+                <a:tc>
+                  <a:txBody>
+                    <a:bodyPr/>
+                    <a:lstStyle/>
+                    <a:p>
+                      <a:pPr algn="r" fontAlgn="b"/>
+                      <a:r>
+                        <a:rPr lang="en-US" sz="1100" b="1" i="0" u="none" strike="noStrike" dirty="0">
+                          <a:solidFill>
+                            <a:srgbClr val="000000"/>
+                          </a:solidFill>
+                          <a:effectLst/>
+                          <a:latin typeface="Aptos Narrow" panose="020B0004020202020204" pitchFamily="34" charset="0"/>
+                        </a:rPr>
+                        <a:t>16</a:t>
+                      </a:r>
+                    </a:p>
+                  </a:txBody>
+                  <a:tcPr marL="8554" marR="137160" marT="8554" marB="0" anchor="b">
+                    <a:solidFill>
+                      <a:schemeClr val="bg1">
+                        <a:lumMod val="85000"/>
+                      </a:schemeClr>
+                    </a:solidFill>
+                  </a:tcPr>
+                </a:tc>
+                <a:tc>
+                  <a:txBody>
+                    <a:bodyPr/>
+                    <a:lstStyle/>
+                    <a:p>
+                      <a:pPr algn="r" fontAlgn="b"/>
+                      <a:r>
+                        <a:rPr lang="en-US" sz="1100" u="none" strike="noStrike" dirty="0">
+                          <a:effectLst/>
+                        </a:rPr>
+                        <a:t>109</a:t>
+                      </a:r>
+                      <a:endParaRPr lang="en-US" sz="1100" b="0" i="0" u="none" strike="noStrike" dirty="0">
+                        <a:solidFill>
+                          <a:srgbClr val="000000"/>
+                        </a:solidFill>
+                        <a:effectLst/>
+                        <a:latin typeface="Aptos Narrow" panose="020B0004020202020204" pitchFamily="34" charset="0"/>
+                      </a:endParaRPr>
+                    </a:p>
+                  </a:txBody>
+                  <a:tcPr marL="8554" marT="8554" marB="0" anchor="b">
+                    <a:solidFill>
+                      <a:schemeClr val="bg1">
+                        <a:lumMod val="85000"/>
+                      </a:schemeClr>
+                    </a:solidFill>
+                  </a:tcPr>
+                </a:tc>
+                <a:tc>
+                  <a:txBody>
+                    <a:bodyPr/>
+                    <a:lstStyle/>
+                    <a:p>
+                      <a:pPr algn="r" fontAlgn="b"/>
+                      <a:r>
+                        <a:rPr lang="en-US" sz="1100" u="none" strike="noStrike" dirty="0">
+                          <a:effectLst/>
+                        </a:rPr>
+                        <a:t>128</a:t>
+                      </a:r>
+                      <a:endParaRPr lang="en-US" sz="1100" b="0" i="0" u="none" strike="noStrike" dirty="0">
+                        <a:solidFill>
+                          <a:srgbClr val="000000"/>
+                        </a:solidFill>
+                        <a:effectLst/>
+                        <a:latin typeface="Aptos Narrow" panose="020B0004020202020204" pitchFamily="34" charset="0"/>
+                      </a:endParaRPr>
+                    </a:p>
+                  </a:txBody>
+                  <a:tcPr marL="8554" marT="8554" marB="0" anchor="b">
+                    <a:solidFill>
+                      <a:schemeClr val="bg1">
+                        <a:lumMod val="85000"/>
+                      </a:schemeClr>
+                    </a:solidFill>
+                  </a:tcPr>
+                </a:tc>
+                <a:tc>
+                  <a:txBody>
+                    <a:bodyPr/>
+                    <a:lstStyle/>
+                    <a:p>
+                      <a:pPr algn="r" fontAlgn="b"/>
+                      <a:r>
+                        <a:rPr lang="en-US" sz="1100" u="none" strike="noStrike" dirty="0">
+                          <a:effectLst/>
+                        </a:rPr>
+                        <a:t>80</a:t>
+                      </a:r>
+                      <a:endParaRPr lang="en-US" sz="1100" b="0" i="0" u="none" strike="noStrike" dirty="0">
+                        <a:solidFill>
+                          <a:srgbClr val="000000"/>
+                        </a:solidFill>
+                        <a:effectLst/>
+                        <a:latin typeface="Aptos Narrow" panose="020B0004020202020204" pitchFamily="34" charset="0"/>
+                      </a:endParaRPr>
+                    </a:p>
+                  </a:txBody>
+                  <a:tcPr marL="8554" marT="8554" marB="0" anchor="b">
+                    <a:solidFill>
+                      <a:schemeClr val="bg1">
+                        <a:lumMod val="85000"/>
+                      </a:schemeClr>
+                    </a:solidFill>
+                  </a:tcPr>
+                </a:tc>
+                <a:tc>
+                  <a:txBody>
+                    <a:bodyPr/>
+                    <a:lstStyle/>
+                    <a:p>
+                      <a:pPr algn="r" fontAlgn="b"/>
+                      <a:r>
+                        <a:rPr lang="en-US" sz="1100" u="none" strike="noStrike" dirty="0">
+                          <a:effectLst/>
+                        </a:rPr>
+                        <a:t>92</a:t>
+                      </a:r>
+                      <a:endParaRPr lang="en-US" sz="1100" b="0" i="0" u="none" strike="noStrike" dirty="0">
+                        <a:solidFill>
+                          <a:srgbClr val="000000"/>
+                        </a:solidFill>
+                        <a:effectLst/>
+                        <a:latin typeface="Aptos Narrow" panose="020B0004020202020204" pitchFamily="34" charset="0"/>
+                      </a:endParaRPr>
+                    </a:p>
+                  </a:txBody>
+                  <a:tcPr marL="8554" marT="8554" marB="0" anchor="b">
+                    <a:solidFill>
+                      <a:schemeClr val="bg1">
+                        <a:lumMod val="85000"/>
+                      </a:schemeClr>
+                    </a:solidFill>
+                  </a:tcPr>
+                </a:tc>
+                <a:extLst>
+                  <a:ext uri="{0D108BD9-81ED-4DB2-BD59-A6C34878D82A}">
+                    <a16:rowId xmlns:a16="http://schemas.microsoft.com/office/drawing/2014/main" val="2538521318"/>
+                  </a:ext>
+                </a:extLst>
+              </a:tr>
+              <a:tr h="182483">
+                <a:tc>
+                  <a:txBody>
+                    <a:bodyPr/>
+                    <a:lstStyle/>
+                    <a:p>
+                      <a:pPr algn="r" fontAlgn="b"/>
+                      <a:r>
+                        <a:rPr lang="en-US" sz="1100" b="1" i="0" u="none" strike="noStrike" dirty="0">
+                          <a:solidFill>
+                            <a:srgbClr val="000000"/>
+                          </a:solidFill>
+                          <a:effectLst/>
+                          <a:latin typeface="Aptos Narrow" panose="020B0004020202020204" pitchFamily="34" charset="0"/>
+                        </a:rPr>
+                        <a:t>17</a:t>
+                      </a:r>
+                    </a:p>
+                  </a:txBody>
+                  <a:tcPr marL="8554" marR="137160" marT="8554" marB="0" anchor="b">
+                    <a:solidFill>
+                      <a:schemeClr val="bg1"/>
+                    </a:solidFill>
+                  </a:tcPr>
+                </a:tc>
+                <a:tc>
+                  <a:txBody>
+                    <a:bodyPr/>
+                    <a:lstStyle/>
+                    <a:p>
+                      <a:pPr algn="r" fontAlgn="b"/>
+                      <a:r>
+                        <a:rPr lang="en-US" sz="1100" u="none" strike="noStrike" dirty="0">
+                          <a:effectLst/>
+                        </a:rPr>
+                        <a:t>13</a:t>
+                      </a:r>
+                      <a:endParaRPr lang="en-US" sz="1100" b="0" i="0" u="none" strike="noStrike" dirty="0">
+                        <a:solidFill>
+                          <a:srgbClr val="000000"/>
+                        </a:solidFill>
+                        <a:effectLst/>
+                        <a:latin typeface="Aptos Narrow" panose="020B0004020202020204" pitchFamily="34" charset="0"/>
+                      </a:endParaRPr>
+                    </a:p>
+                  </a:txBody>
+                  <a:tcPr marL="8554" marT="8554" marB="0" anchor="b">
+                    <a:solidFill>
+                      <a:schemeClr val="bg1"/>
+                    </a:solidFill>
+                  </a:tcPr>
+                </a:tc>
+                <a:tc>
+                  <a:txBody>
+                    <a:bodyPr/>
+                    <a:lstStyle/>
+                    <a:p>
+                      <a:pPr algn="r" fontAlgn="b"/>
+                      <a:r>
+                        <a:rPr lang="en-US" sz="1100" u="none" strike="noStrike" dirty="0">
+                          <a:effectLst/>
+                        </a:rPr>
+                        <a:t>150</a:t>
+                      </a:r>
+                      <a:endParaRPr lang="en-US" sz="1100" b="0" i="0" u="none" strike="noStrike" dirty="0">
+                        <a:solidFill>
+                          <a:srgbClr val="000000"/>
+                        </a:solidFill>
+                        <a:effectLst/>
+                        <a:latin typeface="Aptos Narrow" panose="020B0004020202020204" pitchFamily="34" charset="0"/>
+                      </a:endParaRPr>
+                    </a:p>
+                  </a:txBody>
+                  <a:tcPr marL="8554" marT="8554" marB="0" anchor="b">
+                    <a:solidFill>
+                      <a:schemeClr val="bg1"/>
+                    </a:solidFill>
+                  </a:tcPr>
+                </a:tc>
+                <a:tc>
+                  <a:txBody>
+                    <a:bodyPr/>
+                    <a:lstStyle/>
+                    <a:p>
+                      <a:pPr algn="r" fontAlgn="b"/>
+                      <a:r>
+                        <a:rPr lang="en-US" sz="1100" u="none" strike="noStrike" dirty="0">
+                          <a:effectLst/>
+                        </a:rPr>
+                        <a:t>12</a:t>
+                      </a:r>
+                      <a:endParaRPr lang="en-US" sz="1100" b="0" i="0" u="none" strike="noStrike" dirty="0">
+                        <a:solidFill>
+                          <a:srgbClr val="000000"/>
+                        </a:solidFill>
+                        <a:effectLst/>
+                        <a:latin typeface="Aptos Narrow" panose="020B0004020202020204" pitchFamily="34" charset="0"/>
+                      </a:endParaRPr>
+                    </a:p>
+                  </a:txBody>
+                  <a:tcPr marL="8554" marT="8554" marB="0" anchor="b">
+                    <a:solidFill>
+                      <a:schemeClr val="bg1"/>
+                    </a:solidFill>
+                  </a:tcPr>
+                </a:tc>
+                <a:tc>
+                  <a:txBody>
+                    <a:bodyPr/>
+                    <a:lstStyle/>
+                    <a:p>
+                      <a:pPr algn="r" fontAlgn="b"/>
+                      <a:r>
+                        <a:rPr lang="en-US" sz="1100" u="none" strike="noStrike" dirty="0">
+                          <a:effectLst/>
+                        </a:rPr>
+                        <a:t>222</a:t>
+                      </a:r>
+                      <a:endParaRPr lang="en-US" sz="1100" b="0" i="0" u="none" strike="noStrike" dirty="0">
+                        <a:solidFill>
+                          <a:srgbClr val="000000"/>
+                        </a:solidFill>
+                        <a:effectLst/>
+                        <a:latin typeface="Aptos Narrow" panose="020B0004020202020204" pitchFamily="34" charset="0"/>
+                      </a:endParaRPr>
+                    </a:p>
+                  </a:txBody>
+                  <a:tcPr marL="8554" marT="8554" marB="0" anchor="b">
+                    <a:solidFill>
+                      <a:schemeClr val="bg1"/>
+                    </a:solidFill>
+                  </a:tcPr>
+                </a:tc>
+                <a:extLst>
+                  <a:ext uri="{0D108BD9-81ED-4DB2-BD59-A6C34878D82A}">
+                    <a16:rowId xmlns:a16="http://schemas.microsoft.com/office/drawing/2014/main" val="1021962643"/>
+                  </a:ext>
+                </a:extLst>
+              </a:tr>
+              <a:tr h="182483">
+                <a:tc>
+                  <a:txBody>
+                    <a:bodyPr/>
+                    <a:lstStyle/>
+                    <a:p>
+                      <a:pPr algn="r" fontAlgn="b"/>
+                      <a:r>
+                        <a:rPr lang="en-US" sz="1100" b="1" i="0" u="none" strike="noStrike" dirty="0">
+                          <a:solidFill>
+                            <a:srgbClr val="000000"/>
+                          </a:solidFill>
+                          <a:effectLst/>
+                          <a:latin typeface="Aptos Narrow" panose="020B0004020202020204" pitchFamily="34" charset="0"/>
+                        </a:rPr>
+                        <a:t>18</a:t>
+                      </a:r>
+                    </a:p>
+                  </a:txBody>
+                  <a:tcPr marL="8554" marR="137160" marT="8554" marB="0" anchor="b">
+                    <a:solidFill>
+                      <a:schemeClr val="bg1">
+                        <a:lumMod val="85000"/>
+                      </a:schemeClr>
+                    </a:solidFill>
+                  </a:tcPr>
+                </a:tc>
+                <a:tc>
+                  <a:txBody>
+                    <a:bodyPr/>
+                    <a:lstStyle/>
+                    <a:p>
+                      <a:pPr algn="r" fontAlgn="b"/>
+                      <a:r>
+                        <a:rPr lang="en-US" sz="1100" u="none" strike="noStrike" dirty="0">
+                          <a:effectLst/>
+                        </a:rPr>
+                        <a:t>166</a:t>
+                      </a:r>
+                      <a:endParaRPr lang="en-US" sz="1100" b="0" i="0" u="none" strike="noStrike" dirty="0">
+                        <a:solidFill>
+                          <a:srgbClr val="000000"/>
+                        </a:solidFill>
+                        <a:effectLst/>
+                        <a:latin typeface="Aptos Narrow" panose="020B0004020202020204" pitchFamily="34" charset="0"/>
+                      </a:endParaRPr>
+                    </a:p>
+                  </a:txBody>
+                  <a:tcPr marL="8554" marT="8554" marB="0" anchor="b">
+                    <a:solidFill>
+                      <a:schemeClr val="bg1">
+                        <a:lumMod val="85000"/>
+                      </a:schemeClr>
+                    </a:solidFill>
+                  </a:tcPr>
+                </a:tc>
+                <a:tc>
+                  <a:txBody>
+                    <a:bodyPr/>
+                    <a:lstStyle/>
+                    <a:p>
+                      <a:pPr algn="r" fontAlgn="b"/>
+                      <a:r>
+                        <a:rPr lang="en-US" sz="1100" u="none" strike="noStrike" dirty="0">
+                          <a:effectLst/>
+                        </a:rPr>
+                        <a:t>104</a:t>
+                      </a:r>
+                      <a:endParaRPr lang="en-US" sz="1100" b="0" i="0" u="none" strike="noStrike" dirty="0">
+                        <a:solidFill>
+                          <a:srgbClr val="000000"/>
+                        </a:solidFill>
+                        <a:effectLst/>
+                        <a:latin typeface="Aptos Narrow" panose="020B0004020202020204" pitchFamily="34" charset="0"/>
+                      </a:endParaRPr>
+                    </a:p>
+                  </a:txBody>
+                  <a:tcPr marL="8554" marT="8554" marB="0" anchor="b">
+                    <a:solidFill>
+                      <a:schemeClr val="bg1">
+                        <a:lumMod val="85000"/>
+                      </a:schemeClr>
+                    </a:solidFill>
+                  </a:tcPr>
+                </a:tc>
+                <a:tc>
+                  <a:txBody>
+                    <a:bodyPr/>
+                    <a:lstStyle/>
+                    <a:p>
+                      <a:pPr algn="r" fontAlgn="b"/>
+                      <a:r>
+                        <a:rPr lang="en-US" sz="1100" u="none" strike="noStrike" dirty="0">
+                          <a:effectLst/>
+                        </a:rPr>
+                        <a:t>52</a:t>
+                      </a:r>
+                      <a:endParaRPr lang="en-US" sz="1100" b="0" i="0" u="none" strike="noStrike" dirty="0">
+                        <a:solidFill>
+                          <a:srgbClr val="000000"/>
+                        </a:solidFill>
+                        <a:effectLst/>
+                        <a:latin typeface="Aptos Narrow" panose="020B0004020202020204" pitchFamily="34" charset="0"/>
+                      </a:endParaRPr>
+                    </a:p>
+                  </a:txBody>
+                  <a:tcPr marL="8554" marT="8554" marB="0" anchor="b">
+                    <a:solidFill>
+                      <a:schemeClr val="bg1">
+                        <a:lumMod val="85000"/>
+                      </a:schemeClr>
+                    </a:solidFill>
+                  </a:tcPr>
+                </a:tc>
+                <a:tc>
+                  <a:txBody>
+                    <a:bodyPr/>
+                    <a:lstStyle/>
+                    <a:p>
+                      <a:pPr algn="r" fontAlgn="b"/>
+                      <a:r>
+                        <a:rPr lang="en-US" sz="1100" u="none" strike="noStrike" dirty="0">
+                          <a:effectLst/>
+                        </a:rPr>
+                        <a:t>56</a:t>
+                      </a:r>
+                      <a:endParaRPr lang="en-US" sz="1100" b="0" i="0" u="none" strike="noStrike" dirty="0">
+                        <a:solidFill>
+                          <a:srgbClr val="000000"/>
+                        </a:solidFill>
+                        <a:effectLst/>
+                        <a:latin typeface="Aptos Narrow" panose="020B0004020202020204" pitchFamily="34" charset="0"/>
+                      </a:endParaRPr>
+                    </a:p>
+                  </a:txBody>
+                  <a:tcPr marL="8554" marT="8554" marB="0" anchor="b">
+                    <a:solidFill>
+                      <a:schemeClr val="bg1">
+                        <a:lumMod val="85000"/>
+                      </a:schemeClr>
+                    </a:solidFill>
+                  </a:tcPr>
+                </a:tc>
+                <a:extLst>
+                  <a:ext uri="{0D108BD9-81ED-4DB2-BD59-A6C34878D82A}">
+                    <a16:rowId xmlns:a16="http://schemas.microsoft.com/office/drawing/2014/main" val="1636669965"/>
+                  </a:ext>
+                </a:extLst>
+              </a:tr>
+            </a:tbl>
+          </a:graphicData>
+        </a:graphic>
+      </p:graphicFrame>
     </p:spTree>
     <p:extLst>
       <p:ext uri="{BB962C8B-B14F-4D97-AF65-F5344CB8AC3E}">
